--- a/Initiation à Reactjs.pptx
+++ b/Initiation à Reactjs.pptx
@@ -153,7 +153,7 @@
           <p:cNvPr id="2" name="Title 1">
             <a:extLst>
               <a:ext uri="{FF2B5EF4-FFF2-40B4-BE49-F238E27FC236}">
-                <a16:creationId xmlns:a16="http://schemas.microsoft.com/office/drawing/2014/main" id="{C242EDD8-153D-4FA3-82BD-1569473D7EC9}"/>
+                <a16:creationId xmlns:a16="http://schemas.microsoft.com/office/drawing/2014/main" xmlns="" id="{C242EDD8-153D-4FA3-82BD-1569473D7EC9}"/>
               </a:ext>
             </a:extLst>
           </p:cNvPr>
@@ -190,7 +190,7 @@
           <p:cNvPr id="3" name="Subtitle 2">
             <a:extLst>
               <a:ext uri="{FF2B5EF4-FFF2-40B4-BE49-F238E27FC236}">
-                <a16:creationId xmlns:a16="http://schemas.microsoft.com/office/drawing/2014/main" id="{57CCB631-85C8-46A0-A922-57A2E6A742D5}"/>
+                <a16:creationId xmlns:a16="http://schemas.microsoft.com/office/drawing/2014/main" xmlns="" id="{57CCB631-85C8-46A0-A922-57A2E6A742D5}"/>
               </a:ext>
             </a:extLst>
           </p:cNvPr>
@@ -260,7 +260,7 @@
           <p:cNvPr id="4" name="Date Placeholder 3">
             <a:extLst>
               <a:ext uri="{FF2B5EF4-FFF2-40B4-BE49-F238E27FC236}">
-                <a16:creationId xmlns:a16="http://schemas.microsoft.com/office/drawing/2014/main" id="{CC812B75-24D5-4F51-9608-7C69D669315C}"/>
+                <a16:creationId xmlns:a16="http://schemas.microsoft.com/office/drawing/2014/main" xmlns="" id="{CC812B75-24D5-4F51-9608-7C69D669315C}"/>
               </a:ext>
             </a:extLst>
           </p:cNvPr>
@@ -279,7 +279,7 @@
             <a:fld id="{B61BEF0D-F0BB-DE4B-95CE-6DB70DBA9567}" type="datetimeFigureOut">
               <a:rPr lang="en-US" smtClean="0"/>
               <a:pPr/>
-              <a:t>10/01/2020</a:t>
+              <a:t>1/12/20</a:t>
             </a:fld>
             <a:endParaRPr lang="en-US" dirty="0"/>
           </a:p>
@@ -290,7 +290,7 @@
           <p:cNvPr id="5" name="Footer Placeholder 4">
             <a:extLst>
               <a:ext uri="{FF2B5EF4-FFF2-40B4-BE49-F238E27FC236}">
-                <a16:creationId xmlns:a16="http://schemas.microsoft.com/office/drawing/2014/main" id="{BCC9A4E4-6568-40E7-BEE6-F22AE7E1C5FA}"/>
+                <a16:creationId xmlns:a16="http://schemas.microsoft.com/office/drawing/2014/main" xmlns="" id="{BCC9A4E4-6568-40E7-BEE6-F22AE7E1C5FA}"/>
               </a:ext>
             </a:extLst>
           </p:cNvPr>
@@ -315,7 +315,7 @@
           <p:cNvPr id="6" name="Slide Number Placeholder 5">
             <a:extLst>
               <a:ext uri="{FF2B5EF4-FFF2-40B4-BE49-F238E27FC236}">
-                <a16:creationId xmlns:a16="http://schemas.microsoft.com/office/drawing/2014/main" id="{56D04EA9-9DA2-41D8-928F-4EAE9D0FC74B}"/>
+                <a16:creationId xmlns:a16="http://schemas.microsoft.com/office/drawing/2014/main" xmlns="" id="{56D04EA9-9DA2-41D8-928F-4EAE9D0FC74B}"/>
               </a:ext>
             </a:extLst>
           </p:cNvPr>
@@ -380,7 +380,7 @@
           <p:cNvPr id="2" name="Title 1">
             <a:extLst>
               <a:ext uri="{FF2B5EF4-FFF2-40B4-BE49-F238E27FC236}">
-                <a16:creationId xmlns:a16="http://schemas.microsoft.com/office/drawing/2014/main" id="{E1363803-BAA8-4F93-A495-B617FB51D706}"/>
+                <a16:creationId xmlns:a16="http://schemas.microsoft.com/office/drawing/2014/main" xmlns="" id="{E1363803-BAA8-4F93-A495-B617FB51D706}"/>
               </a:ext>
             </a:extLst>
           </p:cNvPr>
@@ -408,7 +408,7 @@
           <p:cNvPr id="3" name="Vertical Text Placeholder 2">
             <a:extLst>
               <a:ext uri="{FF2B5EF4-FFF2-40B4-BE49-F238E27FC236}">
-                <a16:creationId xmlns:a16="http://schemas.microsoft.com/office/drawing/2014/main" id="{856499E7-74D5-4E97-85DF-7E0E16C9414B}"/>
+                <a16:creationId xmlns:a16="http://schemas.microsoft.com/office/drawing/2014/main" xmlns="" id="{856499E7-74D5-4E97-85DF-7E0E16C9414B}"/>
               </a:ext>
             </a:extLst>
           </p:cNvPr>
@@ -465,7 +465,7 @@
           <p:cNvPr id="4" name="Date Placeholder 3">
             <a:extLst>
               <a:ext uri="{FF2B5EF4-FFF2-40B4-BE49-F238E27FC236}">
-                <a16:creationId xmlns:a16="http://schemas.microsoft.com/office/drawing/2014/main" id="{6E4CA48B-0DBF-4243-A70D-9D80CC0E193B}"/>
+                <a16:creationId xmlns:a16="http://schemas.microsoft.com/office/drawing/2014/main" xmlns="" id="{6E4CA48B-0DBF-4243-A70D-9D80CC0E193B}"/>
               </a:ext>
             </a:extLst>
           </p:cNvPr>
@@ -483,7 +483,7 @@
           <a:p>
             <a:fld id="{55C6B4A9-1611-4792-9094-5F34BCA07E0B}" type="datetimeFigureOut">
               <a:rPr lang="en-US" smtClean="0"/>
-              <a:t>10/01/2020</a:t>
+              <a:t>1/12/20</a:t>
             </a:fld>
             <a:endParaRPr lang="en-US" dirty="0"/>
           </a:p>
@@ -494,7 +494,7 @@
           <p:cNvPr id="5" name="Footer Placeholder 4">
             <a:extLst>
               <a:ext uri="{FF2B5EF4-FFF2-40B4-BE49-F238E27FC236}">
-                <a16:creationId xmlns:a16="http://schemas.microsoft.com/office/drawing/2014/main" id="{4CDDE8F3-E6EE-4982-8D58-A8E508A11738}"/>
+                <a16:creationId xmlns:a16="http://schemas.microsoft.com/office/drawing/2014/main" xmlns="" id="{4CDDE8F3-E6EE-4982-8D58-A8E508A11738}"/>
               </a:ext>
             </a:extLst>
           </p:cNvPr>
@@ -519,7 +519,7 @@
           <p:cNvPr id="6" name="Slide Number Placeholder 5">
             <a:extLst>
               <a:ext uri="{FF2B5EF4-FFF2-40B4-BE49-F238E27FC236}">
-                <a16:creationId xmlns:a16="http://schemas.microsoft.com/office/drawing/2014/main" id="{CA4BF167-88EE-4CDE-9772-E32E8042464B}"/>
+                <a16:creationId xmlns:a16="http://schemas.microsoft.com/office/drawing/2014/main" xmlns="" id="{CA4BF167-88EE-4CDE-9772-E32E8042464B}"/>
               </a:ext>
             </a:extLst>
           </p:cNvPr>
@@ -578,7 +578,7 @@
           <p:cNvPr id="2" name="Vertical Title 1">
             <a:extLst>
               <a:ext uri="{FF2B5EF4-FFF2-40B4-BE49-F238E27FC236}">
-                <a16:creationId xmlns:a16="http://schemas.microsoft.com/office/drawing/2014/main" id="{CC928EC4-F511-461D-81AE-AF39AC0065D0}"/>
+                <a16:creationId xmlns:a16="http://schemas.microsoft.com/office/drawing/2014/main" xmlns="" id="{CC928EC4-F511-461D-81AE-AF39AC0065D0}"/>
               </a:ext>
             </a:extLst>
           </p:cNvPr>
@@ -611,7 +611,7 @@
           <p:cNvPr id="3" name="Vertical Text Placeholder 2">
             <a:extLst>
               <a:ext uri="{FF2B5EF4-FFF2-40B4-BE49-F238E27FC236}">
-                <a16:creationId xmlns:a16="http://schemas.microsoft.com/office/drawing/2014/main" id="{57744352-5E19-4022-B1E2-A7AA280086B0}"/>
+                <a16:creationId xmlns:a16="http://schemas.microsoft.com/office/drawing/2014/main" xmlns="" id="{57744352-5E19-4022-B1E2-A7AA280086B0}"/>
               </a:ext>
             </a:extLst>
           </p:cNvPr>
@@ -673,7 +673,7 @@
           <p:cNvPr id="4" name="Date Placeholder 3">
             <a:extLst>
               <a:ext uri="{FF2B5EF4-FFF2-40B4-BE49-F238E27FC236}">
-                <a16:creationId xmlns:a16="http://schemas.microsoft.com/office/drawing/2014/main" id="{EB0AD78A-86AC-4D2D-81A4-AF3636E3C493}"/>
+                <a16:creationId xmlns:a16="http://schemas.microsoft.com/office/drawing/2014/main" xmlns="" id="{EB0AD78A-86AC-4D2D-81A4-AF3636E3C493}"/>
               </a:ext>
             </a:extLst>
           </p:cNvPr>
@@ -692,7 +692,7 @@
             <a:fld id="{B61BEF0D-F0BB-DE4B-95CE-6DB70DBA9567}" type="datetimeFigureOut">
               <a:rPr lang="en-US" smtClean="0"/>
               <a:pPr/>
-              <a:t>10/01/2020</a:t>
+              <a:t>1/12/20</a:t>
             </a:fld>
             <a:endParaRPr lang="en-US" dirty="0"/>
           </a:p>
@@ -703,7 +703,7 @@
           <p:cNvPr id="5" name="Footer Placeholder 4">
             <a:extLst>
               <a:ext uri="{FF2B5EF4-FFF2-40B4-BE49-F238E27FC236}">
-                <a16:creationId xmlns:a16="http://schemas.microsoft.com/office/drawing/2014/main" id="{BD909F8E-0FAB-4FB2-A633-C7DE177F28ED}"/>
+                <a16:creationId xmlns:a16="http://schemas.microsoft.com/office/drawing/2014/main" xmlns="" id="{BD909F8E-0FAB-4FB2-A633-C7DE177F28ED}"/>
               </a:ext>
             </a:extLst>
           </p:cNvPr>
@@ -728,7 +728,7 @@
           <p:cNvPr id="6" name="Slide Number Placeholder 5">
             <a:extLst>
               <a:ext uri="{FF2B5EF4-FFF2-40B4-BE49-F238E27FC236}">
-                <a16:creationId xmlns:a16="http://schemas.microsoft.com/office/drawing/2014/main" id="{85D6D07E-C12D-4457-B65C-A5EA9307DEE1}"/>
+                <a16:creationId xmlns:a16="http://schemas.microsoft.com/office/drawing/2014/main" xmlns="" id="{85D6D07E-C12D-4457-B65C-A5EA9307DEE1}"/>
               </a:ext>
             </a:extLst>
           </p:cNvPr>
@@ -793,7 +793,7 @@
           <p:cNvPr id="2" name="Title 1">
             <a:extLst>
               <a:ext uri="{FF2B5EF4-FFF2-40B4-BE49-F238E27FC236}">
-                <a16:creationId xmlns:a16="http://schemas.microsoft.com/office/drawing/2014/main" id="{C9519410-D06B-4022-B3AE-FC340AD2D94E}"/>
+                <a16:creationId xmlns:a16="http://schemas.microsoft.com/office/drawing/2014/main" xmlns="" id="{C9519410-D06B-4022-B3AE-FC340AD2D94E}"/>
               </a:ext>
             </a:extLst>
           </p:cNvPr>
@@ -821,7 +821,7 @@
           <p:cNvPr id="3" name="Content Placeholder 2">
             <a:extLst>
               <a:ext uri="{FF2B5EF4-FFF2-40B4-BE49-F238E27FC236}">
-                <a16:creationId xmlns:a16="http://schemas.microsoft.com/office/drawing/2014/main" id="{6A218C83-2CD5-49AF-B39C-7B80BACC0754}"/>
+                <a16:creationId xmlns:a16="http://schemas.microsoft.com/office/drawing/2014/main" xmlns="" id="{6A218C83-2CD5-49AF-B39C-7B80BACC0754}"/>
               </a:ext>
             </a:extLst>
           </p:cNvPr>
@@ -878,7 +878,7 @@
           <p:cNvPr id="4" name="Date Placeholder 3">
             <a:extLst>
               <a:ext uri="{FF2B5EF4-FFF2-40B4-BE49-F238E27FC236}">
-                <a16:creationId xmlns:a16="http://schemas.microsoft.com/office/drawing/2014/main" id="{66EDDE8D-AB42-4055-AEF6-FCBCEECA61EE}"/>
+                <a16:creationId xmlns:a16="http://schemas.microsoft.com/office/drawing/2014/main" xmlns="" id="{66EDDE8D-AB42-4055-AEF6-FCBCEECA61EE}"/>
               </a:ext>
             </a:extLst>
           </p:cNvPr>
@@ -896,7 +896,7 @@
           <a:p>
             <a:fld id="{E5196FF3-AE34-445C-B289-5340F5B1C01D}" type="datetimeFigureOut">
               <a:rPr lang="en-US" smtClean="0"/>
-              <a:t>10/01/2020</a:t>
+              <a:t>1/12/20</a:t>
             </a:fld>
             <a:endParaRPr lang="en-US"/>
           </a:p>
@@ -907,7 +907,7 @@
           <p:cNvPr id="5" name="Footer Placeholder 4">
             <a:extLst>
               <a:ext uri="{FF2B5EF4-FFF2-40B4-BE49-F238E27FC236}">
-                <a16:creationId xmlns:a16="http://schemas.microsoft.com/office/drawing/2014/main" id="{371BB67E-1F1A-416D-AEAF-08E73EF0DC95}"/>
+                <a16:creationId xmlns:a16="http://schemas.microsoft.com/office/drawing/2014/main" xmlns="" id="{371BB67E-1F1A-416D-AEAF-08E73EF0DC95}"/>
               </a:ext>
             </a:extLst>
           </p:cNvPr>
@@ -932,7 +932,7 @@
           <p:cNvPr id="6" name="Slide Number Placeholder 5">
             <a:extLst>
               <a:ext uri="{FF2B5EF4-FFF2-40B4-BE49-F238E27FC236}">
-                <a16:creationId xmlns:a16="http://schemas.microsoft.com/office/drawing/2014/main" id="{FFC4BB72-30D5-46ED-87C5-BFE62D9971EB}"/>
+                <a16:creationId xmlns:a16="http://schemas.microsoft.com/office/drawing/2014/main" xmlns="" id="{FFC4BB72-30D5-46ED-87C5-BFE62D9971EB}"/>
               </a:ext>
             </a:extLst>
           </p:cNvPr>
@@ -991,7 +991,7 @@
           <p:cNvPr id="2" name="Title 1">
             <a:extLst>
               <a:ext uri="{FF2B5EF4-FFF2-40B4-BE49-F238E27FC236}">
-                <a16:creationId xmlns:a16="http://schemas.microsoft.com/office/drawing/2014/main" id="{DF0313BD-1617-45C0-BEE0-E02AE582BD55}"/>
+                <a16:creationId xmlns:a16="http://schemas.microsoft.com/office/drawing/2014/main" xmlns="" id="{DF0313BD-1617-45C0-BEE0-E02AE582BD55}"/>
               </a:ext>
             </a:extLst>
           </p:cNvPr>
@@ -1028,7 +1028,7 @@
           <p:cNvPr id="3" name="Text Placeholder 2">
             <a:extLst>
               <a:ext uri="{FF2B5EF4-FFF2-40B4-BE49-F238E27FC236}">
-                <a16:creationId xmlns:a16="http://schemas.microsoft.com/office/drawing/2014/main" id="{4CD1C946-B8DB-4B4E-AB01-73136892E808}"/>
+                <a16:creationId xmlns:a16="http://schemas.microsoft.com/office/drawing/2014/main" xmlns="" id="{4CD1C946-B8DB-4B4E-AB01-73136892E808}"/>
               </a:ext>
             </a:extLst>
           </p:cNvPr>
@@ -1153,7 +1153,7 @@
           <p:cNvPr id="4" name="Date Placeholder 3">
             <a:extLst>
               <a:ext uri="{FF2B5EF4-FFF2-40B4-BE49-F238E27FC236}">
-                <a16:creationId xmlns:a16="http://schemas.microsoft.com/office/drawing/2014/main" id="{193DE7C0-C46A-415A-8F41-3758013C9847}"/>
+                <a16:creationId xmlns:a16="http://schemas.microsoft.com/office/drawing/2014/main" xmlns="" id="{193DE7C0-C46A-415A-8F41-3758013C9847}"/>
               </a:ext>
             </a:extLst>
           </p:cNvPr>
@@ -1172,7 +1172,7 @@
             <a:fld id="{B61BEF0D-F0BB-DE4B-95CE-6DB70DBA9567}" type="datetimeFigureOut">
               <a:rPr lang="en-US" smtClean="0"/>
               <a:pPr/>
-              <a:t>10/01/2020</a:t>
+              <a:t>1/12/20</a:t>
             </a:fld>
             <a:endParaRPr lang="en-US" dirty="0"/>
           </a:p>
@@ -1183,7 +1183,7 @@
           <p:cNvPr id="5" name="Footer Placeholder 4">
             <a:extLst>
               <a:ext uri="{FF2B5EF4-FFF2-40B4-BE49-F238E27FC236}">
-                <a16:creationId xmlns:a16="http://schemas.microsoft.com/office/drawing/2014/main" id="{0316AC90-15AC-46D5-A7D6-91723ADA2A4C}"/>
+                <a16:creationId xmlns:a16="http://schemas.microsoft.com/office/drawing/2014/main" xmlns="" id="{0316AC90-15AC-46D5-A7D6-91723ADA2A4C}"/>
               </a:ext>
             </a:extLst>
           </p:cNvPr>
@@ -1208,7 +1208,7 @@
           <p:cNvPr id="6" name="Slide Number Placeholder 5">
             <a:extLst>
               <a:ext uri="{FF2B5EF4-FFF2-40B4-BE49-F238E27FC236}">
-                <a16:creationId xmlns:a16="http://schemas.microsoft.com/office/drawing/2014/main" id="{1EAC6A6C-60E5-4578-ABA5-952372861EFA}"/>
+                <a16:creationId xmlns:a16="http://schemas.microsoft.com/office/drawing/2014/main" xmlns="" id="{1EAC6A6C-60E5-4578-ABA5-952372861EFA}"/>
               </a:ext>
             </a:extLst>
           </p:cNvPr>
@@ -1273,7 +1273,7 @@
           <p:cNvPr id="2" name="Title 1">
             <a:extLst>
               <a:ext uri="{FF2B5EF4-FFF2-40B4-BE49-F238E27FC236}">
-                <a16:creationId xmlns:a16="http://schemas.microsoft.com/office/drawing/2014/main" id="{A50C8828-63BD-4639-BA13-A50F60D8401C}"/>
+                <a16:creationId xmlns:a16="http://schemas.microsoft.com/office/drawing/2014/main" xmlns="" id="{A50C8828-63BD-4639-BA13-A50F60D8401C}"/>
               </a:ext>
             </a:extLst>
           </p:cNvPr>
@@ -1301,7 +1301,7 @@
           <p:cNvPr id="3" name="Content Placeholder 2">
             <a:extLst>
               <a:ext uri="{FF2B5EF4-FFF2-40B4-BE49-F238E27FC236}">
-                <a16:creationId xmlns:a16="http://schemas.microsoft.com/office/drawing/2014/main" id="{74438632-78D1-447C-BC10-04EC0548A3FE}"/>
+                <a16:creationId xmlns:a16="http://schemas.microsoft.com/office/drawing/2014/main" xmlns="" id="{74438632-78D1-447C-BC10-04EC0548A3FE}"/>
               </a:ext>
             </a:extLst>
           </p:cNvPr>
@@ -1363,7 +1363,7 @@
           <p:cNvPr id="4" name="Content Placeholder 3">
             <a:extLst>
               <a:ext uri="{FF2B5EF4-FFF2-40B4-BE49-F238E27FC236}">
-                <a16:creationId xmlns:a16="http://schemas.microsoft.com/office/drawing/2014/main" id="{B2EC290B-5BE8-49A5-803F-429E9607B392}"/>
+                <a16:creationId xmlns:a16="http://schemas.microsoft.com/office/drawing/2014/main" xmlns="" id="{B2EC290B-5BE8-49A5-803F-429E9607B392}"/>
               </a:ext>
             </a:extLst>
           </p:cNvPr>
@@ -1425,7 +1425,7 @@
           <p:cNvPr id="5" name="Date Placeholder 4">
             <a:extLst>
               <a:ext uri="{FF2B5EF4-FFF2-40B4-BE49-F238E27FC236}">
-                <a16:creationId xmlns:a16="http://schemas.microsoft.com/office/drawing/2014/main" id="{39C9A0C4-86C0-4FDF-A897-BEBFC20CABCB}"/>
+                <a16:creationId xmlns:a16="http://schemas.microsoft.com/office/drawing/2014/main" xmlns="" id="{39C9A0C4-86C0-4FDF-A897-BEBFC20CABCB}"/>
               </a:ext>
             </a:extLst>
           </p:cNvPr>
@@ -1443,7 +1443,7 @@
           <a:p>
             <a:fld id="{EB712588-04B1-427B-82EE-E8DB90309F08}" type="datetimeFigureOut">
               <a:rPr lang="en-US" smtClean="0"/>
-              <a:t>10/01/2020</a:t>
+              <a:t>1/12/20</a:t>
             </a:fld>
             <a:endParaRPr lang="en-US" dirty="0"/>
           </a:p>
@@ -1454,7 +1454,7 @@
           <p:cNvPr id="6" name="Footer Placeholder 5">
             <a:extLst>
               <a:ext uri="{FF2B5EF4-FFF2-40B4-BE49-F238E27FC236}">
-                <a16:creationId xmlns:a16="http://schemas.microsoft.com/office/drawing/2014/main" id="{0E575EE3-EE1F-4272-A67A-592BCCBF4030}"/>
+                <a16:creationId xmlns:a16="http://schemas.microsoft.com/office/drawing/2014/main" xmlns="" id="{0E575EE3-EE1F-4272-A67A-592BCCBF4030}"/>
               </a:ext>
             </a:extLst>
           </p:cNvPr>
@@ -1479,7 +1479,7 @@
           <p:cNvPr id="7" name="Slide Number Placeholder 6">
             <a:extLst>
               <a:ext uri="{FF2B5EF4-FFF2-40B4-BE49-F238E27FC236}">
-                <a16:creationId xmlns:a16="http://schemas.microsoft.com/office/drawing/2014/main" id="{374DC801-A871-464F-A726-FFA61457472F}"/>
+                <a16:creationId xmlns:a16="http://schemas.microsoft.com/office/drawing/2014/main" xmlns="" id="{374DC801-A871-464F-A726-FFA61457472F}"/>
               </a:ext>
             </a:extLst>
           </p:cNvPr>
@@ -1538,7 +1538,7 @@
           <p:cNvPr id="2" name="Title 1">
             <a:extLst>
               <a:ext uri="{FF2B5EF4-FFF2-40B4-BE49-F238E27FC236}">
-                <a16:creationId xmlns:a16="http://schemas.microsoft.com/office/drawing/2014/main" id="{5187D9A0-09E0-4C0E-85D4-516CC21DFB66}"/>
+                <a16:creationId xmlns:a16="http://schemas.microsoft.com/office/drawing/2014/main" xmlns="" id="{5187D9A0-09E0-4C0E-85D4-516CC21DFB66}"/>
               </a:ext>
             </a:extLst>
           </p:cNvPr>
@@ -1571,7 +1571,7 @@
           <p:cNvPr id="3" name="Text Placeholder 2">
             <a:extLst>
               <a:ext uri="{FF2B5EF4-FFF2-40B4-BE49-F238E27FC236}">
-                <a16:creationId xmlns:a16="http://schemas.microsoft.com/office/drawing/2014/main" id="{12B1CF28-6AC1-4E95-8084-71984EA75786}"/>
+                <a16:creationId xmlns:a16="http://schemas.microsoft.com/office/drawing/2014/main" xmlns="" id="{12B1CF28-6AC1-4E95-8084-71984EA75786}"/>
               </a:ext>
             </a:extLst>
           </p:cNvPr>
@@ -1642,7 +1642,7 @@
           <p:cNvPr id="4" name="Content Placeholder 3">
             <a:extLst>
               <a:ext uri="{FF2B5EF4-FFF2-40B4-BE49-F238E27FC236}">
-                <a16:creationId xmlns:a16="http://schemas.microsoft.com/office/drawing/2014/main" id="{C9047272-B8EC-4AE7-8E45-E320AC6B5F47}"/>
+                <a16:creationId xmlns:a16="http://schemas.microsoft.com/office/drawing/2014/main" xmlns="" id="{C9047272-B8EC-4AE7-8E45-E320AC6B5F47}"/>
               </a:ext>
             </a:extLst>
           </p:cNvPr>
@@ -1704,7 +1704,7 @@
           <p:cNvPr id="5" name="Text Placeholder 4">
             <a:extLst>
               <a:ext uri="{FF2B5EF4-FFF2-40B4-BE49-F238E27FC236}">
-                <a16:creationId xmlns:a16="http://schemas.microsoft.com/office/drawing/2014/main" id="{C656F18F-3CFD-453C-800F-2DC824A05E6E}"/>
+                <a16:creationId xmlns:a16="http://schemas.microsoft.com/office/drawing/2014/main" xmlns="" id="{C656F18F-3CFD-453C-800F-2DC824A05E6E}"/>
               </a:ext>
             </a:extLst>
           </p:cNvPr>
@@ -1775,7 +1775,7 @@
           <p:cNvPr id="6" name="Content Placeholder 5">
             <a:extLst>
               <a:ext uri="{FF2B5EF4-FFF2-40B4-BE49-F238E27FC236}">
-                <a16:creationId xmlns:a16="http://schemas.microsoft.com/office/drawing/2014/main" id="{910AF7C4-9649-425D-8340-BACD0866EED1}"/>
+                <a16:creationId xmlns:a16="http://schemas.microsoft.com/office/drawing/2014/main" xmlns="" id="{910AF7C4-9649-425D-8340-BACD0866EED1}"/>
               </a:ext>
             </a:extLst>
           </p:cNvPr>
@@ -1837,7 +1837,7 @@
           <p:cNvPr id="7" name="Date Placeholder 6">
             <a:extLst>
               <a:ext uri="{FF2B5EF4-FFF2-40B4-BE49-F238E27FC236}">
-                <a16:creationId xmlns:a16="http://schemas.microsoft.com/office/drawing/2014/main" id="{92353140-1E95-4B6E-886D-E56D503A79BC}"/>
+                <a16:creationId xmlns:a16="http://schemas.microsoft.com/office/drawing/2014/main" xmlns="" id="{92353140-1E95-4B6E-886D-E56D503A79BC}"/>
               </a:ext>
             </a:extLst>
           </p:cNvPr>
@@ -1856,7 +1856,7 @@
             <a:fld id="{B61BEF0D-F0BB-DE4B-95CE-6DB70DBA9567}" type="datetimeFigureOut">
               <a:rPr lang="en-US" smtClean="0"/>
               <a:pPr/>
-              <a:t>10/01/2020</a:t>
+              <a:t>1/12/20</a:t>
             </a:fld>
             <a:endParaRPr lang="en-US" dirty="0"/>
           </a:p>
@@ -1867,7 +1867,7 @@
           <p:cNvPr id="8" name="Footer Placeholder 7">
             <a:extLst>
               <a:ext uri="{FF2B5EF4-FFF2-40B4-BE49-F238E27FC236}">
-                <a16:creationId xmlns:a16="http://schemas.microsoft.com/office/drawing/2014/main" id="{2B2EFB7C-644C-4FEC-9AE1-991DD4B25878}"/>
+                <a16:creationId xmlns:a16="http://schemas.microsoft.com/office/drawing/2014/main" xmlns="" id="{2B2EFB7C-644C-4FEC-9AE1-991DD4B25878}"/>
               </a:ext>
             </a:extLst>
           </p:cNvPr>
@@ -1892,7 +1892,7 @@
           <p:cNvPr id="9" name="Slide Number Placeholder 8">
             <a:extLst>
               <a:ext uri="{FF2B5EF4-FFF2-40B4-BE49-F238E27FC236}">
-                <a16:creationId xmlns:a16="http://schemas.microsoft.com/office/drawing/2014/main" id="{FE401C9D-3862-4A59-9E5A-AA4E07DA6041}"/>
+                <a16:creationId xmlns:a16="http://schemas.microsoft.com/office/drawing/2014/main" xmlns="" id="{FE401C9D-3862-4A59-9E5A-AA4E07DA6041}"/>
               </a:ext>
             </a:extLst>
           </p:cNvPr>
@@ -1952,7 +1952,7 @@
           <p:cNvPr id="2" name="Title 1">
             <a:extLst>
               <a:ext uri="{FF2B5EF4-FFF2-40B4-BE49-F238E27FC236}">
-                <a16:creationId xmlns:a16="http://schemas.microsoft.com/office/drawing/2014/main" id="{44DAFBE1-6B79-42A8-844D-BD8FE9FA3660}"/>
+                <a16:creationId xmlns:a16="http://schemas.microsoft.com/office/drawing/2014/main" xmlns="" id="{44DAFBE1-6B79-42A8-844D-BD8FE9FA3660}"/>
               </a:ext>
             </a:extLst>
           </p:cNvPr>
@@ -1980,7 +1980,7 @@
           <p:cNvPr id="3" name="Date Placeholder 2">
             <a:extLst>
               <a:ext uri="{FF2B5EF4-FFF2-40B4-BE49-F238E27FC236}">
-                <a16:creationId xmlns:a16="http://schemas.microsoft.com/office/drawing/2014/main" id="{635F4859-9ACE-468E-BC14-A1ED5248F393}"/>
+                <a16:creationId xmlns:a16="http://schemas.microsoft.com/office/drawing/2014/main" xmlns="" id="{635F4859-9ACE-468E-BC14-A1ED5248F393}"/>
               </a:ext>
             </a:extLst>
           </p:cNvPr>
@@ -1999,7 +1999,7 @@
             <a:fld id="{B61BEF0D-F0BB-DE4B-95CE-6DB70DBA9567}" type="datetimeFigureOut">
               <a:rPr lang="en-US" smtClean="0"/>
               <a:pPr/>
-              <a:t>10/01/2020</a:t>
+              <a:t>1/12/20</a:t>
             </a:fld>
             <a:endParaRPr lang="en-US" dirty="0"/>
           </a:p>
@@ -2010,7 +2010,7 @@
           <p:cNvPr id="4" name="Footer Placeholder 3">
             <a:extLst>
               <a:ext uri="{FF2B5EF4-FFF2-40B4-BE49-F238E27FC236}">
-                <a16:creationId xmlns:a16="http://schemas.microsoft.com/office/drawing/2014/main" id="{4B234882-DB0F-4B5B-AD4B-16C6EC4648C9}"/>
+                <a16:creationId xmlns:a16="http://schemas.microsoft.com/office/drawing/2014/main" xmlns="" id="{4B234882-DB0F-4B5B-AD4B-16C6EC4648C9}"/>
               </a:ext>
             </a:extLst>
           </p:cNvPr>
@@ -2035,7 +2035,7 @@
           <p:cNvPr id="5" name="Slide Number Placeholder 4">
             <a:extLst>
               <a:ext uri="{FF2B5EF4-FFF2-40B4-BE49-F238E27FC236}">
-                <a16:creationId xmlns:a16="http://schemas.microsoft.com/office/drawing/2014/main" id="{9561F89C-D3EA-487C-A871-62994D4C634F}"/>
+                <a16:creationId xmlns:a16="http://schemas.microsoft.com/office/drawing/2014/main" xmlns="" id="{9561F89C-D3EA-487C-A871-62994D4C634F}"/>
               </a:ext>
             </a:extLst>
           </p:cNvPr>
@@ -2095,7 +2095,7 @@
           <p:cNvPr id="2" name="Date Placeholder 1">
             <a:extLst>
               <a:ext uri="{FF2B5EF4-FFF2-40B4-BE49-F238E27FC236}">
-                <a16:creationId xmlns:a16="http://schemas.microsoft.com/office/drawing/2014/main" id="{03E6F290-F91C-402A-A3B7-3C606DA4747D}"/>
+                <a16:creationId xmlns:a16="http://schemas.microsoft.com/office/drawing/2014/main" xmlns="" id="{03E6F290-F91C-402A-A3B7-3C606DA4747D}"/>
               </a:ext>
             </a:extLst>
           </p:cNvPr>
@@ -2114,7 +2114,7 @@
             <a:fld id="{B61BEF0D-F0BB-DE4B-95CE-6DB70DBA9567}" type="datetimeFigureOut">
               <a:rPr lang="en-US" smtClean="0"/>
               <a:pPr/>
-              <a:t>10/01/2020</a:t>
+              <a:t>1/12/20</a:t>
             </a:fld>
             <a:endParaRPr lang="en-US" dirty="0"/>
           </a:p>
@@ -2125,7 +2125,7 @@
           <p:cNvPr id="3" name="Footer Placeholder 2">
             <a:extLst>
               <a:ext uri="{FF2B5EF4-FFF2-40B4-BE49-F238E27FC236}">
-                <a16:creationId xmlns:a16="http://schemas.microsoft.com/office/drawing/2014/main" id="{5B30CAC8-F42D-4E4A-828F-5A63996ACA78}"/>
+                <a16:creationId xmlns:a16="http://schemas.microsoft.com/office/drawing/2014/main" xmlns="" id="{5B30CAC8-F42D-4E4A-828F-5A63996ACA78}"/>
               </a:ext>
             </a:extLst>
           </p:cNvPr>
@@ -2150,7 +2150,7 @@
           <p:cNvPr id="4" name="Slide Number Placeholder 3">
             <a:extLst>
               <a:ext uri="{FF2B5EF4-FFF2-40B4-BE49-F238E27FC236}">
-                <a16:creationId xmlns:a16="http://schemas.microsoft.com/office/drawing/2014/main" id="{C5F0F0C0-0059-4952-8FA8-39EA212EF826}"/>
+                <a16:creationId xmlns:a16="http://schemas.microsoft.com/office/drawing/2014/main" xmlns="" id="{C5F0F0C0-0059-4952-8FA8-39EA212EF826}"/>
               </a:ext>
             </a:extLst>
           </p:cNvPr>
@@ -2210,7 +2210,7 @@
           <p:cNvPr id="2" name="Title 1">
             <a:extLst>
               <a:ext uri="{FF2B5EF4-FFF2-40B4-BE49-F238E27FC236}">
-                <a16:creationId xmlns:a16="http://schemas.microsoft.com/office/drawing/2014/main" id="{162A9BAD-505F-4BCC-9A19-E40AF346DF16}"/>
+                <a16:creationId xmlns:a16="http://schemas.microsoft.com/office/drawing/2014/main" xmlns="" id="{162A9BAD-505F-4BCC-9A19-E40AF346DF16}"/>
               </a:ext>
             </a:extLst>
           </p:cNvPr>
@@ -2247,7 +2247,7 @@
           <p:cNvPr id="3" name="Content Placeholder 2">
             <a:extLst>
               <a:ext uri="{FF2B5EF4-FFF2-40B4-BE49-F238E27FC236}">
-                <a16:creationId xmlns:a16="http://schemas.microsoft.com/office/drawing/2014/main" id="{82C2605A-E4D4-4EC9-BB72-314C88F162C2}"/>
+                <a16:creationId xmlns:a16="http://schemas.microsoft.com/office/drawing/2014/main" xmlns="" id="{82C2605A-E4D4-4EC9-BB72-314C88F162C2}"/>
               </a:ext>
             </a:extLst>
           </p:cNvPr>
@@ -2337,7 +2337,7 @@
           <p:cNvPr id="4" name="Text Placeholder 3">
             <a:extLst>
               <a:ext uri="{FF2B5EF4-FFF2-40B4-BE49-F238E27FC236}">
-                <a16:creationId xmlns:a16="http://schemas.microsoft.com/office/drawing/2014/main" id="{5996B63C-37DA-41CD-8F24-F35A009D7103}"/>
+                <a16:creationId xmlns:a16="http://schemas.microsoft.com/office/drawing/2014/main" xmlns="" id="{5996B63C-37DA-41CD-8F24-F35A009D7103}"/>
               </a:ext>
             </a:extLst>
           </p:cNvPr>
@@ -2408,7 +2408,7 @@
           <p:cNvPr id="5" name="Date Placeholder 4">
             <a:extLst>
               <a:ext uri="{FF2B5EF4-FFF2-40B4-BE49-F238E27FC236}">
-                <a16:creationId xmlns:a16="http://schemas.microsoft.com/office/drawing/2014/main" id="{88B9CFFF-7685-4735-B8D7-EC6E2FD988A9}"/>
+                <a16:creationId xmlns:a16="http://schemas.microsoft.com/office/drawing/2014/main" xmlns="" id="{88B9CFFF-7685-4735-B8D7-EC6E2FD988A9}"/>
               </a:ext>
             </a:extLst>
           </p:cNvPr>
@@ -2426,7 +2426,7 @@
           <a:p>
             <a:fld id="{42A54C80-263E-416B-A8E0-580EDEADCBDC}" type="datetimeFigureOut">
               <a:rPr lang="en-US" smtClean="0"/>
-              <a:t>10/01/2020</a:t>
+              <a:t>1/12/20</a:t>
             </a:fld>
             <a:endParaRPr lang="en-US" dirty="0"/>
           </a:p>
@@ -2437,7 +2437,7 @@
           <p:cNvPr id="6" name="Footer Placeholder 5">
             <a:extLst>
               <a:ext uri="{FF2B5EF4-FFF2-40B4-BE49-F238E27FC236}">
-                <a16:creationId xmlns:a16="http://schemas.microsoft.com/office/drawing/2014/main" id="{4E0F0911-CF2D-41D2-A769-A90E7514AE7E}"/>
+                <a16:creationId xmlns:a16="http://schemas.microsoft.com/office/drawing/2014/main" xmlns="" id="{4E0F0911-CF2D-41D2-A769-A90E7514AE7E}"/>
               </a:ext>
             </a:extLst>
           </p:cNvPr>
@@ -2462,7 +2462,7 @@
           <p:cNvPr id="7" name="Slide Number Placeholder 6">
             <a:extLst>
               <a:ext uri="{FF2B5EF4-FFF2-40B4-BE49-F238E27FC236}">
-                <a16:creationId xmlns:a16="http://schemas.microsoft.com/office/drawing/2014/main" id="{8350C01F-F493-41BC-9953-A903D97EF55B}"/>
+                <a16:creationId xmlns:a16="http://schemas.microsoft.com/office/drawing/2014/main" xmlns="" id="{8350C01F-F493-41BC-9953-A903D97EF55B}"/>
               </a:ext>
             </a:extLst>
           </p:cNvPr>
@@ -2521,7 +2521,7 @@
           <p:cNvPr id="2" name="Title 1">
             <a:extLst>
               <a:ext uri="{FF2B5EF4-FFF2-40B4-BE49-F238E27FC236}">
-                <a16:creationId xmlns:a16="http://schemas.microsoft.com/office/drawing/2014/main" id="{BE1F6A72-FC79-433B-8F8F-37EBDA49AB54}"/>
+                <a16:creationId xmlns:a16="http://schemas.microsoft.com/office/drawing/2014/main" xmlns="" id="{BE1F6A72-FC79-433B-8F8F-37EBDA49AB54}"/>
               </a:ext>
             </a:extLst>
           </p:cNvPr>
@@ -2558,7 +2558,7 @@
           <p:cNvPr id="3" name="Picture Placeholder 2">
             <a:extLst>
               <a:ext uri="{FF2B5EF4-FFF2-40B4-BE49-F238E27FC236}">
-                <a16:creationId xmlns:a16="http://schemas.microsoft.com/office/drawing/2014/main" id="{82B07AAA-F4A3-46E9-8013-F0FD763E1CBA}"/>
+                <a16:creationId xmlns:a16="http://schemas.microsoft.com/office/drawing/2014/main" xmlns="" id="{82B07AAA-F4A3-46E9-8013-F0FD763E1CBA}"/>
               </a:ext>
             </a:extLst>
           </p:cNvPr>
@@ -2625,7 +2625,7 @@
           <p:cNvPr id="4" name="Text Placeholder 3">
             <a:extLst>
               <a:ext uri="{FF2B5EF4-FFF2-40B4-BE49-F238E27FC236}">
-                <a16:creationId xmlns:a16="http://schemas.microsoft.com/office/drawing/2014/main" id="{37F24650-094C-409A-B8DA-00B222AC0CE8}"/>
+                <a16:creationId xmlns:a16="http://schemas.microsoft.com/office/drawing/2014/main" xmlns="" id="{37F24650-094C-409A-B8DA-00B222AC0CE8}"/>
               </a:ext>
             </a:extLst>
           </p:cNvPr>
@@ -2696,7 +2696,7 @@
           <p:cNvPr id="5" name="Date Placeholder 4">
             <a:extLst>
               <a:ext uri="{FF2B5EF4-FFF2-40B4-BE49-F238E27FC236}">
-                <a16:creationId xmlns:a16="http://schemas.microsoft.com/office/drawing/2014/main" id="{137DFF3E-62E9-43CD-B6A0-E9C3A2A89F12}"/>
+                <a16:creationId xmlns:a16="http://schemas.microsoft.com/office/drawing/2014/main" xmlns="" id="{137DFF3E-62E9-43CD-B6A0-E9C3A2A89F12}"/>
               </a:ext>
             </a:extLst>
           </p:cNvPr>
@@ -2715,7 +2715,7 @@
             <a:fld id="{B61BEF0D-F0BB-DE4B-95CE-6DB70DBA9567}" type="datetimeFigureOut">
               <a:rPr lang="en-US" smtClean="0"/>
               <a:pPr/>
-              <a:t>10/01/2020</a:t>
+              <a:t>1/12/20</a:t>
             </a:fld>
             <a:endParaRPr lang="en-US" dirty="0"/>
           </a:p>
@@ -2726,7 +2726,7 @@
           <p:cNvPr id="6" name="Footer Placeholder 5">
             <a:extLst>
               <a:ext uri="{FF2B5EF4-FFF2-40B4-BE49-F238E27FC236}">
-                <a16:creationId xmlns:a16="http://schemas.microsoft.com/office/drawing/2014/main" id="{2CF47A6E-C414-40FB-AD57-2A117345C1CF}"/>
+                <a16:creationId xmlns:a16="http://schemas.microsoft.com/office/drawing/2014/main" xmlns="" id="{2CF47A6E-C414-40FB-AD57-2A117345C1CF}"/>
               </a:ext>
             </a:extLst>
           </p:cNvPr>
@@ -2751,7 +2751,7 @@
           <p:cNvPr id="7" name="Slide Number Placeholder 6">
             <a:extLst>
               <a:ext uri="{FF2B5EF4-FFF2-40B4-BE49-F238E27FC236}">
-                <a16:creationId xmlns:a16="http://schemas.microsoft.com/office/drawing/2014/main" id="{F171C477-EB5D-4610-BEFE-3DBA55D69887}"/>
+                <a16:creationId xmlns:a16="http://schemas.microsoft.com/office/drawing/2014/main" xmlns="" id="{F171C477-EB5D-4610-BEFE-3DBA55D69887}"/>
               </a:ext>
             </a:extLst>
           </p:cNvPr>
@@ -2816,7 +2816,7 @@
           <p:cNvPr id="2" name="Title Placeholder 1">
             <a:extLst>
               <a:ext uri="{FF2B5EF4-FFF2-40B4-BE49-F238E27FC236}">
-                <a16:creationId xmlns:a16="http://schemas.microsoft.com/office/drawing/2014/main" id="{C2D9E654-B535-4A28-AF2D-34F9EFF61ECF}"/>
+                <a16:creationId xmlns:a16="http://schemas.microsoft.com/office/drawing/2014/main" xmlns="" id="{C2D9E654-B535-4A28-AF2D-34F9EFF61ECF}"/>
               </a:ext>
             </a:extLst>
           </p:cNvPr>
@@ -2854,7 +2854,7 @@
           <p:cNvPr id="3" name="Text Placeholder 2">
             <a:extLst>
               <a:ext uri="{FF2B5EF4-FFF2-40B4-BE49-F238E27FC236}">
-                <a16:creationId xmlns:a16="http://schemas.microsoft.com/office/drawing/2014/main" id="{E89FACF4-F133-48D9-ADDC-27B57FE6A3CF}"/>
+                <a16:creationId xmlns:a16="http://schemas.microsoft.com/office/drawing/2014/main" xmlns="" id="{E89FACF4-F133-48D9-ADDC-27B57FE6A3CF}"/>
               </a:ext>
             </a:extLst>
           </p:cNvPr>
@@ -2921,7 +2921,7 @@
           <p:cNvPr id="4" name="Date Placeholder 3">
             <a:extLst>
               <a:ext uri="{FF2B5EF4-FFF2-40B4-BE49-F238E27FC236}">
-                <a16:creationId xmlns:a16="http://schemas.microsoft.com/office/drawing/2014/main" id="{E2A27F87-265C-4D13-BC1E-10E48757432D}"/>
+                <a16:creationId xmlns:a16="http://schemas.microsoft.com/office/drawing/2014/main" xmlns="" id="{E2A27F87-265C-4D13-BC1E-10E48757432D}"/>
               </a:ext>
             </a:extLst>
           </p:cNvPr>
@@ -2958,7 +2958,7 @@
             <a:fld id="{B61BEF0D-F0BB-DE4B-95CE-6DB70DBA9567}" type="datetimeFigureOut">
               <a:rPr lang="en-US" smtClean="0"/>
               <a:pPr/>
-              <a:t>10/01/2020</a:t>
+              <a:t>1/12/20</a:t>
             </a:fld>
             <a:endParaRPr lang="en-US" dirty="0"/>
           </a:p>
@@ -2969,7 +2969,7 @@
           <p:cNvPr id="5" name="Footer Placeholder 4">
             <a:extLst>
               <a:ext uri="{FF2B5EF4-FFF2-40B4-BE49-F238E27FC236}">
-                <a16:creationId xmlns:a16="http://schemas.microsoft.com/office/drawing/2014/main" id="{2AA124AC-5503-41F8-A187-597F44986978}"/>
+                <a16:creationId xmlns:a16="http://schemas.microsoft.com/office/drawing/2014/main" xmlns="" id="{2AA124AC-5503-41F8-A187-597F44986978}"/>
               </a:ext>
             </a:extLst>
           </p:cNvPr>
@@ -3012,7 +3012,7 @@
           <p:cNvPr id="6" name="Slide Number Placeholder 5">
             <a:extLst>
               <a:ext uri="{FF2B5EF4-FFF2-40B4-BE49-F238E27FC236}">
-                <a16:creationId xmlns:a16="http://schemas.microsoft.com/office/drawing/2014/main" id="{104FEFB5-7F14-4DC8-BFB1-A133B6CE70E2}"/>
+                <a16:creationId xmlns:a16="http://schemas.microsoft.com/office/drawing/2014/main" xmlns="" id="{104FEFB5-7F14-4DC8-BFB1-A133B6CE70E2}"/>
               </a:ext>
             </a:extLst>
           </p:cNvPr>
@@ -3386,7 +3386,7 @@
           <p:cNvPr id="2" name="Title 1">
             <a:extLst>
               <a:ext uri="{FF2B5EF4-FFF2-40B4-BE49-F238E27FC236}">
-                <a16:creationId xmlns:a16="http://schemas.microsoft.com/office/drawing/2014/main" id="{D1769776-D2F9-463C-B72D-24BF823B354B}"/>
+                <a16:creationId xmlns:a16="http://schemas.microsoft.com/office/drawing/2014/main" xmlns="" id="{D1769776-D2F9-463C-B72D-24BF823B354B}"/>
               </a:ext>
             </a:extLst>
           </p:cNvPr>
@@ -3462,7 +3462,7 @@
           <p:cNvPr id="3" name="Content Placeholder 2">
             <a:extLst>
               <a:ext uri="{FF2B5EF4-FFF2-40B4-BE49-F238E27FC236}">
-                <a16:creationId xmlns:a16="http://schemas.microsoft.com/office/drawing/2014/main" id="{61A16190-1615-486D-8E99-94438ED0AC36}"/>
+                <a16:creationId xmlns:a16="http://schemas.microsoft.com/office/drawing/2014/main" xmlns="" id="{61A16190-1615-486D-8E99-94438ED0AC36}"/>
               </a:ext>
             </a:extLst>
           </p:cNvPr>
@@ -3560,7 +3560,7 @@
           <p:cNvPr id="5" name="Graphic 4">
             <a:extLst>
               <a:ext uri="{FF2B5EF4-FFF2-40B4-BE49-F238E27FC236}">
-                <a16:creationId xmlns:a16="http://schemas.microsoft.com/office/drawing/2014/main" id="{75F64E26-820A-4421-9E99-60C9E055F04D}"/>
+                <a16:creationId xmlns:a16="http://schemas.microsoft.com/office/drawing/2014/main" xmlns="" id="{75F64E26-820A-4421-9E99-60C9E055F04D}"/>
               </a:ext>
             </a:extLst>
           </p:cNvPr>
@@ -3576,7 +3576,7 @@
                 <a14:useLocalDpi xmlns:a14="http://schemas.microsoft.com/office/drawing/2010/main" val="0"/>
               </a:ext>
               <a:ext uri="{96DAC541-7B7A-43D3-8B79-37D633B846F1}">
-                <asvg:svgBlip xmlns:asvg="http://schemas.microsoft.com/office/drawing/2016/SVG/main" r:embed="rId3"/>
+                <asvg:svgBlip xmlns:asvg="http://schemas.microsoft.com/office/drawing/2016/SVG/main" xmlns="" r:embed="rId3"/>
               </a:ext>
             </a:extLst>
           </a:blip>
@@ -3629,7 +3629,7 @@
           <p:cNvPr id="3" name="Content Placeholder 2">
             <a:extLst>
               <a:ext uri="{FF2B5EF4-FFF2-40B4-BE49-F238E27FC236}">
-                <a16:creationId xmlns:a16="http://schemas.microsoft.com/office/drawing/2014/main" id="{0FD19F88-F696-4835-9902-1EABC9802111}"/>
+                <a16:creationId xmlns:a16="http://schemas.microsoft.com/office/drawing/2014/main" xmlns="" id="{0FD19F88-F696-4835-9902-1EABC9802111}"/>
               </a:ext>
             </a:extLst>
           </p:cNvPr>
@@ -3843,7 +3843,7 @@
           <p:cNvPr id="13" name="Rectangle 12">
             <a:extLst>
               <a:ext uri="{FF2B5EF4-FFF2-40B4-BE49-F238E27FC236}">
-                <a16:creationId xmlns:a16="http://schemas.microsoft.com/office/drawing/2014/main" id="{ADC3890A-9DC6-4935-85EA-D7FA90698462}"/>
+                <a16:creationId xmlns:a16="http://schemas.microsoft.com/office/drawing/2014/main" xmlns="" id="{ADC3890A-9DC6-4935-85EA-D7FA90698462}"/>
               </a:ext>
             </a:extLst>
           </p:cNvPr>
@@ -3900,7 +3900,7 @@
           <p:cNvPr id="14" name="Rectangle 13">
             <a:extLst>
               <a:ext uri="{FF2B5EF4-FFF2-40B4-BE49-F238E27FC236}">
-                <a16:creationId xmlns:a16="http://schemas.microsoft.com/office/drawing/2014/main" id="{BE8DCA13-D0BC-49B5-B0D5-B4B8E8A2A131}"/>
+                <a16:creationId xmlns:a16="http://schemas.microsoft.com/office/drawing/2014/main" xmlns="" id="{BE8DCA13-D0BC-49B5-B0D5-B4B8E8A2A131}"/>
               </a:ext>
             </a:extLst>
           </p:cNvPr>
@@ -3957,7 +3957,7 @@
           <p:cNvPr id="25" name="Rectangle 24">
             <a:extLst>
               <a:ext uri="{FF2B5EF4-FFF2-40B4-BE49-F238E27FC236}">
-                <a16:creationId xmlns:a16="http://schemas.microsoft.com/office/drawing/2014/main" id="{789D4479-9613-42C8-A54B-50E299FD9353}"/>
+                <a16:creationId xmlns:a16="http://schemas.microsoft.com/office/drawing/2014/main" xmlns="" id="{789D4479-9613-42C8-A54B-50E299FD9353}"/>
               </a:ext>
             </a:extLst>
           </p:cNvPr>
@@ -4094,7 +4094,7 @@
           <p:cNvPr id="26" name="Rectangle 25">
             <a:extLst>
               <a:ext uri="{FF2B5EF4-FFF2-40B4-BE49-F238E27FC236}">
-                <a16:creationId xmlns:a16="http://schemas.microsoft.com/office/drawing/2014/main" id="{61E68B93-BBA4-47A6-B308-E84B3F9DB6F9}"/>
+                <a16:creationId xmlns:a16="http://schemas.microsoft.com/office/drawing/2014/main" xmlns="" id="{61E68B93-BBA4-47A6-B308-E84B3F9DB6F9}"/>
               </a:ext>
             </a:extLst>
           </p:cNvPr>
@@ -4560,7 +4560,7 @@
           <p:cNvPr id="27" name="Rectangle 26">
             <a:extLst>
               <a:ext uri="{FF2B5EF4-FFF2-40B4-BE49-F238E27FC236}">
-                <a16:creationId xmlns:a16="http://schemas.microsoft.com/office/drawing/2014/main" id="{EA748122-DE60-4407-8B53-7D6B44A2C5BB}"/>
+                <a16:creationId xmlns:a16="http://schemas.microsoft.com/office/drawing/2014/main" xmlns="" id="{EA748122-DE60-4407-8B53-7D6B44A2C5BB}"/>
               </a:ext>
             </a:extLst>
           </p:cNvPr>
@@ -4602,7 +4602,7 @@
           <p:cNvPr id="28" name="Rectangle 27">
             <a:extLst>
               <a:ext uri="{FF2B5EF4-FFF2-40B4-BE49-F238E27FC236}">
-                <a16:creationId xmlns:a16="http://schemas.microsoft.com/office/drawing/2014/main" id="{84A8173D-C452-4449-AA34-18BC8547A3A0}"/>
+                <a16:creationId xmlns:a16="http://schemas.microsoft.com/office/drawing/2014/main" xmlns="" id="{84A8173D-C452-4449-AA34-18BC8547A3A0}"/>
               </a:ext>
             </a:extLst>
           </p:cNvPr>
@@ -4674,7 +4674,7 @@
           <p:cNvPr id="3" name="Content Placeholder 2">
             <a:extLst>
               <a:ext uri="{FF2B5EF4-FFF2-40B4-BE49-F238E27FC236}">
-                <a16:creationId xmlns:a16="http://schemas.microsoft.com/office/drawing/2014/main" id="{0FD19F88-F696-4835-9902-1EABC9802111}"/>
+                <a16:creationId xmlns:a16="http://schemas.microsoft.com/office/drawing/2014/main" xmlns="" id="{0FD19F88-F696-4835-9902-1EABC9802111}"/>
               </a:ext>
             </a:extLst>
           </p:cNvPr>
@@ -4904,7 +4904,7 @@
           <p:cNvPr id="4" name="Rectangle 3">
             <a:extLst>
               <a:ext uri="{FF2B5EF4-FFF2-40B4-BE49-F238E27FC236}">
-                <a16:creationId xmlns:a16="http://schemas.microsoft.com/office/drawing/2014/main" id="{688FF206-5152-4947-873C-3E6D4661738D}"/>
+                <a16:creationId xmlns:a16="http://schemas.microsoft.com/office/drawing/2014/main" xmlns="" id="{688FF206-5152-4947-873C-3E6D4661738D}"/>
               </a:ext>
             </a:extLst>
           </p:cNvPr>
@@ -5130,6 +5130,16 @@
             </a:r>
           </a:p>
           <a:p>
+            <a:r>
+              <a:rPr lang="en-US" sz="1000" b="0" dirty="0">
+                <a:solidFill>
+                  <a:srgbClr val="D4D4D4"/>
+                </a:solidFill>
+                <a:effectLst/>
+                <a:latin typeface="Consolas" panose="020B0609020204030204" pitchFamily="49" charset="0"/>
+              </a:rPr>
+              <a:t/>
+            </a:r>
             <a:br>
               <a:rPr lang="en-US" sz="1000" b="0" dirty="0">
                 <a:solidFill>
@@ -5245,6 +5255,16 @@
             </a:r>
           </a:p>
           <a:p>
+            <a:r>
+              <a:rPr lang="en-US" sz="1000" b="0" dirty="0">
+                <a:solidFill>
+                  <a:srgbClr val="D4D4D4"/>
+                </a:solidFill>
+                <a:effectLst/>
+                <a:latin typeface="Consolas" panose="020B0609020204030204" pitchFamily="49" charset="0"/>
+              </a:rPr>
+              <a:t/>
+            </a:r>
             <a:br>
               <a:rPr lang="en-US" sz="1000" b="0" dirty="0">
                 <a:solidFill>
@@ -6706,6 +6726,16 @@
             </a:r>
           </a:p>
           <a:p>
+            <a:r>
+              <a:rPr lang="en-US" sz="1000" b="0" dirty="0">
+                <a:solidFill>
+                  <a:srgbClr val="D4D4D4"/>
+                </a:solidFill>
+                <a:effectLst/>
+                <a:latin typeface="Consolas" panose="020B0609020204030204" pitchFamily="49" charset="0"/>
+              </a:rPr>
+              <a:t/>
+            </a:r>
             <a:br>
               <a:rPr lang="en-US" sz="1000" b="0" dirty="0">
                 <a:solidFill>
@@ -6813,7 +6843,7 @@
           <p:cNvPr id="3" name="Content Placeholder 2">
             <a:extLst>
               <a:ext uri="{FF2B5EF4-FFF2-40B4-BE49-F238E27FC236}">
-                <a16:creationId xmlns:a16="http://schemas.microsoft.com/office/drawing/2014/main" id="{0FD19F88-F696-4835-9902-1EABC9802111}"/>
+                <a16:creationId xmlns:a16="http://schemas.microsoft.com/office/drawing/2014/main" xmlns="" id="{0FD19F88-F696-4835-9902-1EABC9802111}"/>
               </a:ext>
             </a:extLst>
           </p:cNvPr>
@@ -7027,7 +7057,7 @@
           <p:cNvPr id="2" name="Rectangle 1">
             <a:extLst>
               <a:ext uri="{FF2B5EF4-FFF2-40B4-BE49-F238E27FC236}">
-                <a16:creationId xmlns:a16="http://schemas.microsoft.com/office/drawing/2014/main" id="{1298469A-EC27-4DD0-BCC7-4FF20D5DC171}"/>
+                <a16:creationId xmlns:a16="http://schemas.microsoft.com/office/drawing/2014/main" xmlns="" id="{1298469A-EC27-4DD0-BCC7-4FF20D5DC171}"/>
               </a:ext>
             </a:extLst>
           </p:cNvPr>
@@ -7253,6 +7283,16 @@
             </a:r>
           </a:p>
           <a:p>
+            <a:r>
+              <a:rPr lang="en-US" sz="1000" b="0" dirty="0">
+                <a:solidFill>
+                  <a:srgbClr val="D4D4D4"/>
+                </a:solidFill>
+                <a:effectLst/>
+                <a:latin typeface="Consolas" panose="020B0609020204030204" pitchFamily="49" charset="0"/>
+              </a:rPr>
+              <a:t/>
+            </a:r>
             <a:br>
               <a:rPr lang="en-US" sz="1000" b="0" dirty="0">
                 <a:solidFill>
@@ -7368,6 +7408,16 @@
             </a:r>
           </a:p>
           <a:p>
+            <a:r>
+              <a:rPr lang="en-US" sz="1000" b="0" dirty="0">
+                <a:solidFill>
+                  <a:srgbClr val="D4D4D4"/>
+                </a:solidFill>
+                <a:effectLst/>
+                <a:latin typeface="Consolas" panose="020B0609020204030204" pitchFamily="49" charset="0"/>
+              </a:rPr>
+              <a:t/>
+            </a:r>
             <a:br>
               <a:rPr lang="en-US" sz="1000" b="0" dirty="0">
                 <a:solidFill>
@@ -8885,6 +8935,16 @@
             </a:r>
           </a:p>
           <a:p>
+            <a:r>
+              <a:rPr lang="en-US" sz="1000" b="0" dirty="0">
+                <a:solidFill>
+                  <a:srgbClr val="D4D4D4"/>
+                </a:solidFill>
+                <a:effectLst/>
+                <a:latin typeface="Consolas" panose="020B0609020204030204" pitchFamily="49" charset="0"/>
+              </a:rPr>
+              <a:t/>
+            </a:r>
             <a:br>
               <a:rPr lang="en-US" sz="1000" b="0" dirty="0">
                 <a:solidFill>
@@ -8992,7 +9052,7 @@
           <p:cNvPr id="3" name="Content Placeholder 2">
             <a:extLst>
               <a:ext uri="{FF2B5EF4-FFF2-40B4-BE49-F238E27FC236}">
-                <a16:creationId xmlns:a16="http://schemas.microsoft.com/office/drawing/2014/main" id="{0FD19F88-F696-4835-9902-1EABC9802111}"/>
+                <a16:creationId xmlns:a16="http://schemas.microsoft.com/office/drawing/2014/main" xmlns="" id="{0FD19F88-F696-4835-9902-1EABC9802111}"/>
               </a:ext>
             </a:extLst>
           </p:cNvPr>
@@ -9206,7 +9266,7 @@
           <p:cNvPr id="2" name="Rectangle 1">
             <a:extLst>
               <a:ext uri="{FF2B5EF4-FFF2-40B4-BE49-F238E27FC236}">
-                <a16:creationId xmlns:a16="http://schemas.microsoft.com/office/drawing/2014/main" id="{69FDB094-35AE-40D0-B495-B06260676862}"/>
+                <a16:creationId xmlns:a16="http://schemas.microsoft.com/office/drawing/2014/main" xmlns="" id="{69FDB094-35AE-40D0-B495-B06260676862}"/>
               </a:ext>
             </a:extLst>
           </p:cNvPr>
@@ -9504,6 +9564,15 @@
             </a:r>
           </a:p>
           <a:p>
+            <a:r>
+              <a:rPr lang="en-US" sz="1200" dirty="0">
+                <a:solidFill>
+                  <a:srgbClr val="D4D4D4"/>
+                </a:solidFill>
+                <a:latin typeface="Consolas" panose="020B0609020204030204" pitchFamily="49" charset="0"/>
+              </a:rPr>
+              <a:t/>
+            </a:r>
             <a:br>
               <a:rPr lang="en-US" sz="1200" dirty="0">
                 <a:solidFill>
@@ -9907,6 +9976,15 @@
             </a:r>
           </a:p>
           <a:p>
+            <a:r>
+              <a:rPr lang="en-US" sz="1200" dirty="0">
+                <a:solidFill>
+                  <a:srgbClr val="D4D4D4"/>
+                </a:solidFill>
+                <a:latin typeface="Consolas" panose="020B0609020204030204" pitchFamily="49" charset="0"/>
+              </a:rPr>
+              <a:t/>
+            </a:r>
             <a:br>
               <a:rPr lang="en-US" sz="1200" dirty="0">
                 <a:solidFill>
@@ -10011,6 +10089,15 @@
             </a:r>
           </a:p>
           <a:p>
+            <a:r>
+              <a:rPr lang="en-US" sz="1200" dirty="0">
+                <a:solidFill>
+                  <a:srgbClr val="D4D4D4"/>
+                </a:solidFill>
+                <a:latin typeface="Consolas" panose="020B0609020204030204" pitchFamily="49" charset="0"/>
+              </a:rPr>
+              <a:t/>
+            </a:r>
             <a:br>
               <a:rPr lang="en-US" sz="1200" dirty="0">
                 <a:solidFill>
@@ -10551,6 +10638,15 @@
             </a:r>
           </a:p>
           <a:p>
+            <a:r>
+              <a:rPr lang="en-US" sz="1200" dirty="0">
+                <a:solidFill>
+                  <a:srgbClr val="D4D4D4"/>
+                </a:solidFill>
+                <a:latin typeface="Consolas" panose="020B0609020204030204" pitchFamily="49" charset="0"/>
+              </a:rPr>
+              <a:t/>
+            </a:r>
             <a:br>
               <a:rPr lang="en-US" sz="1200" dirty="0">
                 <a:solidFill>
@@ -10658,7 +10754,7 @@
           <p:cNvPr id="3" name="Content Placeholder 2">
             <a:extLst>
               <a:ext uri="{FF2B5EF4-FFF2-40B4-BE49-F238E27FC236}">
-                <a16:creationId xmlns:a16="http://schemas.microsoft.com/office/drawing/2014/main" id="{0FD19F88-F696-4835-9902-1EABC9802111}"/>
+                <a16:creationId xmlns:a16="http://schemas.microsoft.com/office/drawing/2014/main" xmlns="" id="{0FD19F88-F696-4835-9902-1EABC9802111}"/>
               </a:ext>
             </a:extLst>
           </p:cNvPr>
@@ -10875,7 +10971,7 @@
           <p:cNvPr id="5" name="Title 1">
             <a:extLst>
               <a:ext uri="{FF2B5EF4-FFF2-40B4-BE49-F238E27FC236}">
-                <a16:creationId xmlns:a16="http://schemas.microsoft.com/office/drawing/2014/main" id="{1386C1DD-5EB3-4440-9C2D-E5741B32A8DF}"/>
+                <a16:creationId xmlns:a16="http://schemas.microsoft.com/office/drawing/2014/main" xmlns="" id="{1386C1DD-5EB3-4440-9C2D-E5741B32A8DF}"/>
               </a:ext>
             </a:extLst>
           </p:cNvPr>
@@ -10927,15 +11023,32 @@
               <a:buChar char="•"/>
             </a:pPr>
             <a:r>
-              <a:rPr lang="fr-FR" sz="1600" b="1" dirty="0">
+              <a:rPr lang="fr-FR" sz="1600" b="1" dirty="0" err="1" smtClean="0">
                 <a:solidFill>
                   <a:schemeClr val="accent3">
                     <a:lumMod val="50000"/>
                   </a:schemeClr>
                 </a:solidFill>
               </a:rPr>
-              <a:t>xx</a:t>
-            </a:r>
+              <a:t>Javascript</a:t>
+            </a:r>
+            <a:r>
+              <a:rPr lang="fr-FR" sz="1600" b="1" dirty="0" smtClean="0">
+                <a:solidFill>
+                  <a:schemeClr val="accent3">
+                    <a:lumMod val="50000"/>
+                  </a:schemeClr>
+                </a:solidFill>
+              </a:rPr>
+              <a:t> + XML</a:t>
+            </a:r>
+            <a:endParaRPr lang="fr-FR" sz="1600" b="1" dirty="0">
+              <a:solidFill>
+                <a:schemeClr val="accent3">
+                  <a:lumMod val="50000"/>
+                </a:schemeClr>
+              </a:solidFill>
+            </a:endParaRPr>
           </a:p>
         </p:txBody>
       </p:sp>
@@ -10974,7 +11087,7 @@
           <p:cNvPr id="3" name="Content Placeholder 2">
             <a:extLst>
               <a:ext uri="{FF2B5EF4-FFF2-40B4-BE49-F238E27FC236}">
-                <a16:creationId xmlns:a16="http://schemas.microsoft.com/office/drawing/2014/main" id="{0FD19F88-F696-4835-9902-1EABC9802111}"/>
+                <a16:creationId xmlns:a16="http://schemas.microsoft.com/office/drawing/2014/main" xmlns="" id="{0FD19F88-F696-4835-9902-1EABC9802111}"/>
               </a:ext>
             </a:extLst>
           </p:cNvPr>
@@ -11191,7 +11304,7 @@
           <p:cNvPr id="5" name="Title 1">
             <a:extLst>
               <a:ext uri="{FF2B5EF4-FFF2-40B4-BE49-F238E27FC236}">
-                <a16:creationId xmlns:a16="http://schemas.microsoft.com/office/drawing/2014/main" id="{1386C1DD-5EB3-4440-9C2D-E5741B32A8DF}"/>
+                <a16:creationId xmlns:a16="http://schemas.microsoft.com/office/drawing/2014/main" xmlns="" id="{1386C1DD-5EB3-4440-9C2D-E5741B32A8DF}"/>
               </a:ext>
             </a:extLst>
           </p:cNvPr>
@@ -11243,18 +11356,773 @@
               <a:buChar char="•"/>
             </a:pPr>
             <a:r>
-              <a:rPr lang="fr-FR" sz="1600" b="1" dirty="0">
+              <a:rPr lang="fr-FR" sz="1600" b="1" dirty="0" smtClean="0">
                 <a:solidFill>
                   <a:schemeClr val="accent3">
                     <a:lumMod val="50000"/>
                   </a:schemeClr>
                 </a:solidFill>
               </a:rPr>
-              <a:t>xx</a:t>
-            </a:r>
+              <a:t>DOM (Document Object Model) </a:t>
+            </a:r>
+            <a:r>
+              <a:rPr lang="en-US" sz="1600" dirty="0">
+                <a:hlinkClick r:id="rId2"/>
+              </a:rPr>
+              <a:t>https://</a:t>
+            </a:r>
+            <a:r>
+              <a:rPr lang="en-US" sz="1600" dirty="0" smtClean="0">
+                <a:hlinkClick r:id="rId2"/>
+              </a:rPr>
+              <a:t>developer.mozilla.org/fr/docs/Web/API/Document_Object_Model</a:t>
+            </a:r>
+            <a:r>
+              <a:rPr lang="fr-FR" sz="1600" b="1" dirty="0" smtClean="0">
+                <a:solidFill>
+                  <a:schemeClr val="accent3">
+                    <a:lumMod val="50000"/>
+                  </a:schemeClr>
+                </a:solidFill>
+              </a:rPr>
+              <a:t>:</a:t>
+            </a:r>
+          </a:p>
+          <a:p>
+            <a:pPr marL="285750" indent="-285750" algn="l">
+              <a:buFont typeface="Arial" charset="0"/>
+              <a:buChar char="•"/>
+            </a:pPr>
+            <a:r>
+              <a:rPr lang="fr-FR" sz="1600" b="1" dirty="0" smtClean="0">
+                <a:solidFill>
+                  <a:schemeClr val="accent3">
+                    <a:lumMod val="50000"/>
+                  </a:schemeClr>
+                </a:solidFill>
+              </a:rPr>
+              <a:t>- </a:t>
+            </a:r>
+            <a:r>
+              <a:rPr lang="fr-FR" sz="1600" b="1" dirty="0" smtClean="0">
+                <a:solidFill>
+                  <a:schemeClr val="accent3">
+                    <a:lumMod val="50000"/>
+                  </a:schemeClr>
+                </a:solidFill>
+              </a:rPr>
+              <a:t>C’est une </a:t>
+            </a:r>
+            <a:r>
+              <a:rPr lang="fr-FR" sz="1600" b="1" dirty="0" smtClean="0">
+                <a:solidFill>
+                  <a:schemeClr val="accent3">
+                    <a:lumMod val="50000"/>
+                  </a:schemeClr>
+                </a:solidFill>
+              </a:rPr>
+              <a:t>interface de programmation pour les documents HTML, XML, SVG. </a:t>
+            </a:r>
+          </a:p>
+          <a:p>
+            <a:pPr marL="285750" indent="-285750" algn="l">
+              <a:buFont typeface="Arial" charset="0"/>
+              <a:buChar char="•"/>
+            </a:pPr>
+            <a:r>
+              <a:rPr lang="fr-FR" sz="1600" b="1" dirty="0" smtClean="0">
+                <a:solidFill>
+                  <a:schemeClr val="accent3">
+                    <a:lumMod val="50000"/>
+                  </a:schemeClr>
+                </a:solidFill>
+              </a:rPr>
+              <a:t>- </a:t>
+            </a:r>
+            <a:r>
+              <a:rPr lang="fr-FR" sz="1600" b="1" dirty="0" err="1" smtClean="0">
+                <a:solidFill>
+                  <a:schemeClr val="accent3">
+                    <a:lumMod val="50000"/>
+                  </a:schemeClr>
+                </a:solidFill>
+              </a:rPr>
+              <a:t>Language</a:t>
+            </a:r>
+            <a:r>
+              <a:rPr lang="fr-FR" sz="1600" b="1" dirty="0" smtClean="0">
+                <a:solidFill>
+                  <a:schemeClr val="accent3">
+                    <a:lumMod val="50000"/>
+                  </a:schemeClr>
+                </a:solidFill>
+              </a:rPr>
+              <a:t> de programmation utilisé est </a:t>
+            </a:r>
+            <a:r>
+              <a:rPr lang="fr-FR" sz="1600" b="1" dirty="0" err="1" smtClean="0">
+                <a:solidFill>
+                  <a:schemeClr val="accent3">
+                    <a:lumMod val="50000"/>
+                  </a:schemeClr>
+                </a:solidFill>
+              </a:rPr>
+              <a:t>Javascript</a:t>
+            </a:r>
+            <a:endParaRPr lang="fr-FR" sz="1600" b="1" dirty="0" smtClean="0">
+              <a:solidFill>
+                <a:schemeClr val="accent3">
+                  <a:lumMod val="50000"/>
+                </a:schemeClr>
+              </a:solidFill>
+            </a:endParaRPr>
+          </a:p>
+          <a:p>
+            <a:pPr marL="285750" indent="-285750" algn="l">
+              <a:buFont typeface="Arial" panose="020B0604020202020204" pitchFamily="34" charset="0"/>
+              <a:buChar char="•"/>
+            </a:pPr>
+            <a:endParaRPr lang="fr-FR" sz="1600" b="1" dirty="0" smtClean="0">
+              <a:solidFill>
+                <a:schemeClr val="accent3">
+                  <a:lumMod val="50000"/>
+                </a:schemeClr>
+              </a:solidFill>
+            </a:endParaRPr>
+          </a:p>
+          <a:p>
+            <a:pPr marL="285750" indent="-285750" algn="l">
+              <a:buFont typeface="Arial" panose="020B0604020202020204" pitchFamily="34" charset="0"/>
+              <a:buChar char="•"/>
+            </a:pPr>
+            <a:r>
+              <a:rPr lang="fr-FR" sz="1600" b="1" dirty="0" smtClean="0">
+                <a:solidFill>
+                  <a:schemeClr val="accent3">
+                    <a:lumMod val="50000"/>
+                  </a:schemeClr>
+                </a:solidFill>
+              </a:rPr>
+              <a:t>Virtual DOM est une </a:t>
+            </a:r>
+            <a:endParaRPr lang="fr-FR" sz="1600" b="1" dirty="0">
+              <a:solidFill>
+                <a:schemeClr val="accent3">
+                  <a:lumMod val="50000"/>
+                </a:schemeClr>
+              </a:solidFill>
+            </a:endParaRPr>
           </a:p>
         </p:txBody>
       </p:sp>
+      <p:grpSp>
+        <p:nvGrpSpPr>
+          <p:cNvPr id="46" name="Group 45"/>
+          <p:cNvGrpSpPr/>
+          <p:nvPr/>
+        </p:nvGrpSpPr>
+        <p:grpSpPr>
+          <a:xfrm>
+            <a:off x="2135548" y="4177540"/>
+            <a:ext cx="5522861" cy="2052430"/>
+            <a:chOff x="2135548" y="4177540"/>
+            <a:chExt cx="5522861" cy="2052430"/>
+          </a:xfrm>
+        </p:grpSpPr>
+        <p:sp>
+          <p:nvSpPr>
+            <p:cNvPr id="7" name="TextBox 6"/>
+            <p:cNvSpPr txBox="1"/>
+            <p:nvPr/>
+          </p:nvSpPr>
+          <p:spPr>
+            <a:xfrm>
+              <a:off x="5049518" y="4177540"/>
+              <a:ext cx="643125" cy="369332"/>
+            </a:xfrm>
+            <a:prstGeom prst="rect">
+              <a:avLst/>
+            </a:prstGeom>
+            <a:solidFill>
+              <a:schemeClr val="accent2"/>
+            </a:solidFill>
+          </p:spPr>
+          <p:txBody>
+            <a:bodyPr wrap="none" rtlCol="0">
+              <a:spAutoFit/>
+            </a:bodyPr>
+            <a:lstStyle/>
+            <a:p>
+              <a:r>
+                <a:rPr lang="en-US" dirty="0" smtClean="0">
+                  <a:solidFill>
+                    <a:schemeClr val="bg1"/>
+                  </a:solidFill>
+                </a:rPr>
+                <a:t>html</a:t>
+              </a:r>
+            </a:p>
+          </p:txBody>
+        </p:sp>
+        <p:sp>
+          <p:nvSpPr>
+            <p:cNvPr id="8" name="TextBox 7"/>
+            <p:cNvSpPr txBox="1"/>
+            <p:nvPr/>
+          </p:nvSpPr>
+          <p:spPr>
+            <a:xfrm>
+              <a:off x="3997564" y="5091718"/>
+              <a:ext cx="654346" cy="369332"/>
+            </a:xfrm>
+            <a:prstGeom prst="rect">
+              <a:avLst/>
+            </a:prstGeom>
+            <a:solidFill>
+              <a:schemeClr val="accent6">
+                <a:lumMod val="60000"/>
+                <a:lumOff val="40000"/>
+              </a:schemeClr>
+            </a:solidFill>
+          </p:spPr>
+          <p:txBody>
+            <a:bodyPr wrap="none" rtlCol="0">
+              <a:spAutoFit/>
+            </a:bodyPr>
+            <a:lstStyle/>
+            <a:p>
+              <a:r>
+                <a:rPr lang="en-US" dirty="0" smtClean="0">
+                  <a:solidFill>
+                    <a:schemeClr val="bg1"/>
+                  </a:solidFill>
+                </a:rPr>
+                <a:t>head</a:t>
+              </a:r>
+            </a:p>
+          </p:txBody>
+        </p:sp>
+        <p:sp>
+          <p:nvSpPr>
+            <p:cNvPr id="9" name="TextBox 8"/>
+            <p:cNvSpPr txBox="1"/>
+            <p:nvPr/>
+          </p:nvSpPr>
+          <p:spPr>
+            <a:xfrm>
+              <a:off x="2135548" y="5860638"/>
+              <a:ext cx="559769" cy="369332"/>
+            </a:xfrm>
+            <a:prstGeom prst="rect">
+              <a:avLst/>
+            </a:prstGeom>
+            <a:solidFill>
+              <a:schemeClr val="bg1">
+                <a:lumMod val="95000"/>
+              </a:schemeClr>
+            </a:solidFill>
+          </p:spPr>
+          <p:txBody>
+            <a:bodyPr wrap="none" rtlCol="0">
+              <a:spAutoFit/>
+            </a:bodyPr>
+            <a:lstStyle/>
+            <a:p>
+              <a:r>
+                <a:rPr lang="en-US" dirty="0" smtClean="0"/>
+                <a:t>title</a:t>
+              </a:r>
+            </a:p>
+          </p:txBody>
+        </p:sp>
+        <p:sp>
+          <p:nvSpPr>
+            <p:cNvPr id="10" name="TextBox 9"/>
+            <p:cNvSpPr txBox="1"/>
+            <p:nvPr/>
+          </p:nvSpPr>
+          <p:spPr>
+            <a:xfrm>
+              <a:off x="3835348" y="5852823"/>
+              <a:ext cx="621324" cy="369332"/>
+            </a:xfrm>
+            <a:prstGeom prst="rect">
+              <a:avLst/>
+            </a:prstGeom>
+            <a:solidFill>
+              <a:schemeClr val="bg1">
+                <a:lumMod val="95000"/>
+              </a:schemeClr>
+            </a:solidFill>
+          </p:spPr>
+          <p:txBody>
+            <a:bodyPr wrap="none" rtlCol="0">
+              <a:spAutoFit/>
+            </a:bodyPr>
+            <a:lstStyle/>
+            <a:p>
+              <a:r>
+                <a:rPr lang="en-US" dirty="0" smtClean="0"/>
+                <a:t>style</a:t>
+              </a:r>
+            </a:p>
+          </p:txBody>
+        </p:sp>
+        <p:sp>
+          <p:nvSpPr>
+            <p:cNvPr id="11" name="TextBox 10"/>
+            <p:cNvSpPr txBox="1"/>
+            <p:nvPr/>
+          </p:nvSpPr>
+          <p:spPr>
+            <a:xfrm>
+              <a:off x="4651910" y="5852823"/>
+              <a:ext cx="719171" cy="369332"/>
+            </a:xfrm>
+            <a:prstGeom prst="rect">
+              <a:avLst/>
+            </a:prstGeom>
+            <a:solidFill>
+              <a:schemeClr val="bg1">
+                <a:lumMod val="95000"/>
+              </a:schemeClr>
+            </a:solidFill>
+          </p:spPr>
+          <p:txBody>
+            <a:bodyPr wrap="none" rtlCol="0">
+              <a:spAutoFit/>
+            </a:bodyPr>
+            <a:lstStyle/>
+            <a:p>
+              <a:r>
+                <a:rPr lang="en-US" dirty="0" smtClean="0"/>
+                <a:t>script</a:t>
+              </a:r>
+            </a:p>
+          </p:txBody>
+        </p:sp>
+        <p:sp>
+          <p:nvSpPr>
+            <p:cNvPr id="12" name="TextBox 11"/>
+            <p:cNvSpPr txBox="1"/>
+            <p:nvPr/>
+          </p:nvSpPr>
+          <p:spPr>
+            <a:xfrm>
+              <a:off x="2994739" y="5860638"/>
+              <a:ext cx="668068" cy="369332"/>
+            </a:xfrm>
+            <a:prstGeom prst="rect">
+              <a:avLst/>
+            </a:prstGeom>
+            <a:solidFill>
+              <a:schemeClr val="bg1">
+                <a:lumMod val="95000"/>
+              </a:schemeClr>
+            </a:solidFill>
+          </p:spPr>
+          <p:txBody>
+            <a:bodyPr wrap="none" rtlCol="0">
+              <a:spAutoFit/>
+            </a:bodyPr>
+            <a:lstStyle/>
+            <a:p>
+              <a:r>
+                <a:rPr lang="en-US" dirty="0" smtClean="0"/>
+                <a:t>meta</a:t>
+              </a:r>
+            </a:p>
+          </p:txBody>
+        </p:sp>
+        <p:sp>
+          <p:nvSpPr>
+            <p:cNvPr id="13" name="TextBox 12"/>
+            <p:cNvSpPr txBox="1"/>
+            <p:nvPr/>
+          </p:nvSpPr>
+          <p:spPr>
+            <a:xfrm>
+              <a:off x="6580549" y="5189410"/>
+              <a:ext cx="654346" cy="369332"/>
+            </a:xfrm>
+            <a:prstGeom prst="rect">
+              <a:avLst/>
+            </a:prstGeom>
+            <a:solidFill>
+              <a:srgbClr val="00B0F0"/>
+            </a:solidFill>
+          </p:spPr>
+          <p:txBody>
+            <a:bodyPr wrap="none" rtlCol="0">
+              <a:spAutoFit/>
+            </a:bodyPr>
+            <a:lstStyle/>
+            <a:p>
+              <a:r>
+                <a:rPr lang="en-US" dirty="0" smtClean="0">
+                  <a:solidFill>
+                    <a:schemeClr val="bg1"/>
+                  </a:solidFill>
+                </a:rPr>
+                <a:t>body</a:t>
+              </a:r>
+            </a:p>
+          </p:txBody>
+        </p:sp>
+        <p:sp>
+          <p:nvSpPr>
+            <p:cNvPr id="14" name="TextBox 13"/>
+            <p:cNvSpPr txBox="1"/>
+            <p:nvPr/>
+          </p:nvSpPr>
+          <p:spPr>
+            <a:xfrm>
+              <a:off x="7234895" y="5860638"/>
+              <a:ext cx="423514" cy="369332"/>
+            </a:xfrm>
+            <a:prstGeom prst="rect">
+              <a:avLst/>
+            </a:prstGeom>
+            <a:solidFill>
+              <a:schemeClr val="bg1">
+                <a:lumMod val="95000"/>
+              </a:schemeClr>
+            </a:solidFill>
+          </p:spPr>
+          <p:txBody>
+            <a:bodyPr wrap="none" rtlCol="0">
+              <a:spAutoFit/>
+            </a:bodyPr>
+            <a:lstStyle/>
+            <a:p>
+              <a:r>
+                <a:rPr lang="en-US" dirty="0" smtClean="0"/>
+                <a:t>h1</a:t>
+              </a:r>
+            </a:p>
+          </p:txBody>
+        </p:sp>
+        <p:sp>
+          <p:nvSpPr>
+            <p:cNvPr id="15" name="TextBox 14"/>
+            <p:cNvSpPr txBox="1"/>
+            <p:nvPr/>
+          </p:nvSpPr>
+          <p:spPr>
+            <a:xfrm>
+              <a:off x="6116961" y="5860638"/>
+              <a:ext cx="463588" cy="369332"/>
+            </a:xfrm>
+            <a:prstGeom prst="rect">
+              <a:avLst/>
+            </a:prstGeom>
+            <a:solidFill>
+              <a:schemeClr val="bg1">
+                <a:lumMod val="95000"/>
+              </a:schemeClr>
+            </a:solidFill>
+          </p:spPr>
+          <p:txBody>
+            <a:bodyPr wrap="none" rtlCol="0">
+              <a:spAutoFit/>
+            </a:bodyPr>
+            <a:lstStyle/>
+            <a:p>
+              <a:r>
+                <a:rPr lang="en-US" dirty="0" smtClean="0"/>
+                <a:t>div</a:t>
+              </a:r>
+            </a:p>
+          </p:txBody>
+        </p:sp>
+        <p:cxnSp>
+          <p:nvCxnSpPr>
+            <p:cNvPr id="30" name="Straight Arrow Connector 29"/>
+            <p:cNvCxnSpPr>
+              <a:stCxn id="8" idx="2"/>
+              <a:endCxn id="9" idx="0"/>
+            </p:cNvCxnSpPr>
+            <p:nvPr/>
+          </p:nvCxnSpPr>
+          <p:spPr>
+            <a:xfrm flipH="1">
+              <a:off x="2415433" y="5461050"/>
+              <a:ext cx="1909304" cy="399588"/>
+            </a:xfrm>
+            <a:prstGeom prst="straightConnector1">
+              <a:avLst/>
+            </a:prstGeom>
+            <a:ln>
+              <a:tailEnd type="triangle"/>
+            </a:ln>
+          </p:spPr>
+          <p:style>
+            <a:lnRef idx="1">
+              <a:schemeClr val="accent1"/>
+            </a:lnRef>
+            <a:fillRef idx="0">
+              <a:schemeClr val="accent1"/>
+            </a:fillRef>
+            <a:effectRef idx="0">
+              <a:schemeClr val="accent1"/>
+            </a:effectRef>
+            <a:fontRef idx="minor">
+              <a:schemeClr val="tx1"/>
+            </a:fontRef>
+          </p:style>
+        </p:cxnSp>
+        <p:cxnSp>
+          <p:nvCxnSpPr>
+            <p:cNvPr id="32" name="Straight Arrow Connector 31"/>
+            <p:cNvCxnSpPr>
+              <a:stCxn id="8" idx="2"/>
+              <a:endCxn id="12" idx="0"/>
+            </p:cNvCxnSpPr>
+            <p:nvPr/>
+          </p:nvCxnSpPr>
+          <p:spPr>
+            <a:xfrm flipH="1">
+              <a:off x="3328773" y="5461050"/>
+              <a:ext cx="995964" cy="399588"/>
+            </a:xfrm>
+            <a:prstGeom prst="straightConnector1">
+              <a:avLst/>
+            </a:prstGeom>
+            <a:ln>
+              <a:tailEnd type="triangle"/>
+            </a:ln>
+          </p:spPr>
+          <p:style>
+            <a:lnRef idx="1">
+              <a:schemeClr val="accent1"/>
+            </a:lnRef>
+            <a:fillRef idx="0">
+              <a:schemeClr val="accent1"/>
+            </a:fillRef>
+            <a:effectRef idx="0">
+              <a:schemeClr val="accent1"/>
+            </a:effectRef>
+            <a:fontRef idx="minor">
+              <a:schemeClr val="tx1"/>
+            </a:fontRef>
+          </p:style>
+        </p:cxnSp>
+        <p:cxnSp>
+          <p:nvCxnSpPr>
+            <p:cNvPr id="34" name="Straight Arrow Connector 33"/>
+            <p:cNvCxnSpPr>
+              <a:stCxn id="8" idx="2"/>
+              <a:endCxn id="10" idx="0"/>
+            </p:cNvCxnSpPr>
+            <p:nvPr/>
+          </p:nvCxnSpPr>
+          <p:spPr>
+            <a:xfrm flipH="1">
+              <a:off x="4146010" y="5461050"/>
+              <a:ext cx="178727" cy="391773"/>
+            </a:xfrm>
+            <a:prstGeom prst="straightConnector1">
+              <a:avLst/>
+            </a:prstGeom>
+            <a:ln>
+              <a:tailEnd type="triangle"/>
+            </a:ln>
+          </p:spPr>
+          <p:style>
+            <a:lnRef idx="1">
+              <a:schemeClr val="accent1"/>
+            </a:lnRef>
+            <a:fillRef idx="0">
+              <a:schemeClr val="accent1"/>
+            </a:fillRef>
+            <a:effectRef idx="0">
+              <a:schemeClr val="accent1"/>
+            </a:effectRef>
+            <a:fontRef idx="minor">
+              <a:schemeClr val="tx1"/>
+            </a:fontRef>
+          </p:style>
+        </p:cxnSp>
+        <p:cxnSp>
+          <p:nvCxnSpPr>
+            <p:cNvPr id="36" name="Straight Arrow Connector 35"/>
+            <p:cNvCxnSpPr>
+              <a:stCxn id="8" idx="2"/>
+            </p:cNvCxnSpPr>
+            <p:nvPr/>
+          </p:nvCxnSpPr>
+          <p:spPr>
+            <a:xfrm>
+              <a:off x="4324737" y="5461050"/>
+              <a:ext cx="833748" cy="399588"/>
+            </a:xfrm>
+            <a:prstGeom prst="straightConnector1">
+              <a:avLst/>
+            </a:prstGeom>
+            <a:ln>
+              <a:tailEnd type="triangle"/>
+            </a:ln>
+          </p:spPr>
+          <p:style>
+            <a:lnRef idx="1">
+              <a:schemeClr val="accent1"/>
+            </a:lnRef>
+            <a:fillRef idx="0">
+              <a:schemeClr val="accent1"/>
+            </a:fillRef>
+            <a:effectRef idx="0">
+              <a:schemeClr val="accent1"/>
+            </a:effectRef>
+            <a:fontRef idx="minor">
+              <a:schemeClr val="tx1"/>
+            </a:fontRef>
+          </p:style>
+        </p:cxnSp>
+        <p:cxnSp>
+          <p:nvCxnSpPr>
+            <p:cNvPr id="38" name="Straight Arrow Connector 37"/>
+            <p:cNvCxnSpPr>
+              <a:stCxn id="13" idx="2"/>
+              <a:endCxn id="15" idx="0"/>
+            </p:cNvCxnSpPr>
+            <p:nvPr/>
+          </p:nvCxnSpPr>
+          <p:spPr>
+            <a:xfrm flipH="1">
+              <a:off x="6348755" y="5558742"/>
+              <a:ext cx="558967" cy="301896"/>
+            </a:xfrm>
+            <a:prstGeom prst="straightConnector1">
+              <a:avLst/>
+            </a:prstGeom>
+            <a:ln>
+              <a:tailEnd type="triangle"/>
+            </a:ln>
+          </p:spPr>
+          <p:style>
+            <a:lnRef idx="1">
+              <a:schemeClr val="accent1"/>
+            </a:lnRef>
+            <a:fillRef idx="0">
+              <a:schemeClr val="accent1"/>
+            </a:fillRef>
+            <a:effectRef idx="0">
+              <a:schemeClr val="accent1"/>
+            </a:effectRef>
+            <a:fontRef idx="minor">
+              <a:schemeClr val="tx1"/>
+            </a:fontRef>
+          </p:style>
+        </p:cxnSp>
+        <p:cxnSp>
+          <p:nvCxnSpPr>
+            <p:cNvPr id="40" name="Straight Arrow Connector 39"/>
+            <p:cNvCxnSpPr>
+              <a:stCxn id="13" idx="2"/>
+              <a:endCxn id="14" idx="0"/>
+            </p:cNvCxnSpPr>
+            <p:nvPr/>
+          </p:nvCxnSpPr>
+          <p:spPr>
+            <a:xfrm>
+              <a:off x="6907722" y="5558742"/>
+              <a:ext cx="538930" cy="301896"/>
+            </a:xfrm>
+            <a:prstGeom prst="straightConnector1">
+              <a:avLst/>
+            </a:prstGeom>
+            <a:ln>
+              <a:tailEnd type="triangle"/>
+            </a:ln>
+          </p:spPr>
+          <p:style>
+            <a:lnRef idx="1">
+              <a:schemeClr val="accent1"/>
+            </a:lnRef>
+            <a:fillRef idx="0">
+              <a:schemeClr val="accent1"/>
+            </a:fillRef>
+            <a:effectRef idx="0">
+              <a:schemeClr val="accent1"/>
+            </a:effectRef>
+            <a:fontRef idx="minor">
+              <a:schemeClr val="tx1"/>
+            </a:fontRef>
+          </p:style>
+        </p:cxnSp>
+        <p:cxnSp>
+          <p:nvCxnSpPr>
+            <p:cNvPr id="42" name="Straight Arrow Connector 41"/>
+            <p:cNvCxnSpPr>
+              <a:stCxn id="7" idx="2"/>
+              <a:endCxn id="8" idx="0"/>
+            </p:cNvCxnSpPr>
+            <p:nvPr/>
+          </p:nvCxnSpPr>
+          <p:spPr>
+            <a:xfrm flipH="1">
+              <a:off x="4324737" y="4546872"/>
+              <a:ext cx="1046344" cy="544846"/>
+            </a:xfrm>
+            <a:prstGeom prst="straightConnector1">
+              <a:avLst/>
+            </a:prstGeom>
+            <a:ln>
+              <a:tailEnd type="triangle"/>
+            </a:ln>
+          </p:spPr>
+          <p:style>
+            <a:lnRef idx="1">
+              <a:schemeClr val="accent1"/>
+            </a:lnRef>
+            <a:fillRef idx="0">
+              <a:schemeClr val="accent1"/>
+            </a:fillRef>
+            <a:effectRef idx="0">
+              <a:schemeClr val="accent1"/>
+            </a:effectRef>
+            <a:fontRef idx="minor">
+              <a:schemeClr val="tx1"/>
+            </a:fontRef>
+          </p:style>
+        </p:cxnSp>
+        <p:cxnSp>
+          <p:nvCxnSpPr>
+            <p:cNvPr id="44" name="Straight Arrow Connector 43"/>
+            <p:cNvCxnSpPr>
+              <a:stCxn id="7" idx="2"/>
+              <a:endCxn id="13" idx="0"/>
+            </p:cNvCxnSpPr>
+            <p:nvPr/>
+          </p:nvCxnSpPr>
+          <p:spPr>
+            <a:xfrm>
+              <a:off x="5371081" y="4546872"/>
+              <a:ext cx="1536641" cy="642538"/>
+            </a:xfrm>
+            <a:prstGeom prst="straightConnector1">
+              <a:avLst/>
+            </a:prstGeom>
+            <a:ln>
+              <a:tailEnd type="triangle"/>
+            </a:ln>
+          </p:spPr>
+          <p:style>
+            <a:lnRef idx="1">
+              <a:schemeClr val="accent1"/>
+            </a:lnRef>
+            <a:fillRef idx="0">
+              <a:schemeClr val="accent1"/>
+            </a:fillRef>
+            <a:effectRef idx="0">
+              <a:schemeClr val="accent1"/>
+            </a:effectRef>
+            <a:fontRef idx="minor">
+              <a:schemeClr val="tx1"/>
+            </a:fontRef>
+          </p:style>
+        </p:cxnSp>
+      </p:grpSp>
     </p:spTree>
     <p:extLst>
       <p:ext uri="{BB962C8B-B14F-4D97-AF65-F5344CB8AC3E}">
@@ -11265,6 +12133,13 @@
   <p:clrMapOvr>
     <a:masterClrMapping/>
   </p:clrMapOvr>
+  <p:timing>
+    <p:tnLst>
+      <p:par>
+        <p:cTn id="1" dur="indefinite" restart="never" nodeType="tmRoot"/>
+      </p:par>
+    </p:tnLst>
+  </p:timing>
 </p:sld>
 </file>
 
@@ -11290,7 +12165,7 @@
           <p:cNvPr id="3" name="Content Placeholder 2">
             <a:extLst>
               <a:ext uri="{FF2B5EF4-FFF2-40B4-BE49-F238E27FC236}">
-                <a16:creationId xmlns:a16="http://schemas.microsoft.com/office/drawing/2014/main" id="{0FD19F88-F696-4835-9902-1EABC9802111}"/>
+                <a16:creationId xmlns:a16="http://schemas.microsoft.com/office/drawing/2014/main" xmlns="" id="{0FD19F88-F696-4835-9902-1EABC9802111}"/>
               </a:ext>
             </a:extLst>
           </p:cNvPr>
@@ -11507,7 +12382,7 @@
           <p:cNvPr id="5" name="Title 1">
             <a:extLst>
               <a:ext uri="{FF2B5EF4-FFF2-40B4-BE49-F238E27FC236}">
-                <a16:creationId xmlns:a16="http://schemas.microsoft.com/office/drawing/2014/main" id="{1386C1DD-5EB3-4440-9C2D-E5741B32A8DF}"/>
+                <a16:creationId xmlns:a16="http://schemas.microsoft.com/office/drawing/2014/main" xmlns="" id="{1386C1DD-5EB3-4440-9C2D-E5741B32A8DF}"/>
               </a:ext>
             </a:extLst>
           </p:cNvPr>
@@ -11606,7 +12481,7 @@
           <p:cNvPr id="3" name="Content Placeholder 2">
             <a:extLst>
               <a:ext uri="{FF2B5EF4-FFF2-40B4-BE49-F238E27FC236}">
-                <a16:creationId xmlns:a16="http://schemas.microsoft.com/office/drawing/2014/main" id="{0FD19F88-F696-4835-9902-1EABC9802111}"/>
+                <a16:creationId xmlns:a16="http://schemas.microsoft.com/office/drawing/2014/main" xmlns="" id="{0FD19F88-F696-4835-9902-1EABC9802111}"/>
               </a:ext>
             </a:extLst>
           </p:cNvPr>
@@ -11823,7 +12698,7 @@
           <p:cNvPr id="5" name="Title 1">
             <a:extLst>
               <a:ext uri="{FF2B5EF4-FFF2-40B4-BE49-F238E27FC236}">
-                <a16:creationId xmlns:a16="http://schemas.microsoft.com/office/drawing/2014/main" id="{1386C1DD-5EB3-4440-9C2D-E5741B32A8DF}"/>
+                <a16:creationId xmlns:a16="http://schemas.microsoft.com/office/drawing/2014/main" xmlns="" id="{1386C1DD-5EB3-4440-9C2D-E5741B32A8DF}"/>
               </a:ext>
             </a:extLst>
           </p:cNvPr>
@@ -11922,7 +12797,7 @@
           <p:cNvPr id="3" name="Content Placeholder 2">
             <a:extLst>
               <a:ext uri="{FF2B5EF4-FFF2-40B4-BE49-F238E27FC236}">
-                <a16:creationId xmlns:a16="http://schemas.microsoft.com/office/drawing/2014/main" id="{0FD19F88-F696-4835-9902-1EABC9802111}"/>
+                <a16:creationId xmlns:a16="http://schemas.microsoft.com/office/drawing/2014/main" xmlns="" id="{0FD19F88-F696-4835-9902-1EABC9802111}"/>
               </a:ext>
             </a:extLst>
           </p:cNvPr>
@@ -12139,7 +13014,7 @@
           <p:cNvPr id="5" name="Title 1">
             <a:extLst>
               <a:ext uri="{FF2B5EF4-FFF2-40B4-BE49-F238E27FC236}">
-                <a16:creationId xmlns:a16="http://schemas.microsoft.com/office/drawing/2014/main" id="{1386C1DD-5EB3-4440-9C2D-E5741B32A8DF}"/>
+                <a16:creationId xmlns:a16="http://schemas.microsoft.com/office/drawing/2014/main" xmlns="" id="{1386C1DD-5EB3-4440-9C2D-E5741B32A8DF}"/>
               </a:ext>
             </a:extLst>
           </p:cNvPr>
@@ -12238,7 +13113,7 @@
           <p:cNvPr id="3" name="Content Placeholder 2">
             <a:extLst>
               <a:ext uri="{FF2B5EF4-FFF2-40B4-BE49-F238E27FC236}">
-                <a16:creationId xmlns:a16="http://schemas.microsoft.com/office/drawing/2014/main" id="{0FD19F88-F696-4835-9902-1EABC9802111}"/>
+                <a16:creationId xmlns:a16="http://schemas.microsoft.com/office/drawing/2014/main" xmlns="" id="{0FD19F88-F696-4835-9902-1EABC9802111}"/>
               </a:ext>
             </a:extLst>
           </p:cNvPr>
@@ -12483,7 +13358,7 @@
           <p:cNvPr id="5" name="Title 1">
             <a:extLst>
               <a:ext uri="{FF2B5EF4-FFF2-40B4-BE49-F238E27FC236}">
-                <a16:creationId xmlns:a16="http://schemas.microsoft.com/office/drawing/2014/main" id="{1386C1DD-5EB3-4440-9C2D-E5741B32A8DF}"/>
+                <a16:creationId xmlns:a16="http://schemas.microsoft.com/office/drawing/2014/main" xmlns="" id="{1386C1DD-5EB3-4440-9C2D-E5741B32A8DF}"/>
               </a:ext>
             </a:extLst>
           </p:cNvPr>
@@ -12582,7 +13457,7 @@
           <p:cNvPr id="4" name="Title 1">
             <a:extLst>
               <a:ext uri="{FF2B5EF4-FFF2-40B4-BE49-F238E27FC236}">
-                <a16:creationId xmlns:a16="http://schemas.microsoft.com/office/drawing/2014/main" id="{15FFBC59-2983-4A5F-9D58-2A51F10A602B}"/>
+                <a16:creationId xmlns:a16="http://schemas.microsoft.com/office/drawing/2014/main" xmlns="" id="{15FFBC59-2983-4A5F-9D58-2A51F10A602B}"/>
               </a:ext>
             </a:extLst>
           </p:cNvPr>
@@ -12788,8 +13663,27 @@
                   </a:schemeClr>
                 </a:solidFill>
               </a:rPr>
-              <a:t>, State, Cycle de vie</a:t>
-            </a:r>
+              <a:t>, State, Cycle de </a:t>
+            </a:r>
+            <a:r>
+              <a:rPr lang="fr-FR" sz="2000" dirty="0" smtClean="0">
+                <a:solidFill>
+                  <a:schemeClr val="accent4">
+                    <a:lumMod val="40000"/>
+                    <a:lumOff val="60000"/>
+                  </a:schemeClr>
+                </a:solidFill>
+              </a:rPr>
+              <a:t>vie</a:t>
+            </a:r>
+            <a:endParaRPr lang="fr-FR" sz="2000" dirty="0">
+              <a:solidFill>
+                <a:schemeClr val="accent4">
+                  <a:lumMod val="40000"/>
+                  <a:lumOff val="60000"/>
+                </a:schemeClr>
+              </a:solidFill>
+            </a:endParaRPr>
           </a:p>
           <a:p>
             <a:pPr marL="342900" indent="-342900" algn="l">
@@ -12874,7 +13768,7 @@
           <p:cNvPr id="2" name="TextBox 1">
             <a:extLst>
               <a:ext uri="{FF2B5EF4-FFF2-40B4-BE49-F238E27FC236}">
-                <a16:creationId xmlns:a16="http://schemas.microsoft.com/office/drawing/2014/main" id="{CB0A1CC1-D1FD-49AE-B9E6-FAC6147E686E}"/>
+                <a16:creationId xmlns:a16="http://schemas.microsoft.com/office/drawing/2014/main" xmlns="" id="{CB0A1CC1-D1FD-49AE-B9E6-FAC6147E686E}"/>
               </a:ext>
             </a:extLst>
           </p:cNvPr>
@@ -12945,7 +13839,7 @@
           <p:cNvPr id="3" name="Content Placeholder 2">
             <a:extLst>
               <a:ext uri="{FF2B5EF4-FFF2-40B4-BE49-F238E27FC236}">
-                <a16:creationId xmlns:a16="http://schemas.microsoft.com/office/drawing/2014/main" id="{0FD19F88-F696-4835-9902-1EABC9802111}"/>
+                <a16:creationId xmlns:a16="http://schemas.microsoft.com/office/drawing/2014/main" xmlns="" id="{0FD19F88-F696-4835-9902-1EABC9802111}"/>
               </a:ext>
             </a:extLst>
           </p:cNvPr>
@@ -13161,7 +14055,7 @@
           <p:cNvPr id="5" name="Title 1">
             <a:extLst>
               <a:ext uri="{FF2B5EF4-FFF2-40B4-BE49-F238E27FC236}">
-                <a16:creationId xmlns:a16="http://schemas.microsoft.com/office/drawing/2014/main" id="{1386C1DD-5EB3-4440-9C2D-E5741B32A8DF}"/>
+                <a16:creationId xmlns:a16="http://schemas.microsoft.com/office/drawing/2014/main" xmlns="" id="{1386C1DD-5EB3-4440-9C2D-E5741B32A8DF}"/>
               </a:ext>
             </a:extLst>
           </p:cNvPr>
@@ -13260,7 +14154,7 @@
           <p:cNvPr id="3" name="Content Placeholder 2">
             <a:extLst>
               <a:ext uri="{FF2B5EF4-FFF2-40B4-BE49-F238E27FC236}">
-                <a16:creationId xmlns:a16="http://schemas.microsoft.com/office/drawing/2014/main" id="{0FD19F88-F696-4835-9902-1EABC9802111}"/>
+                <a16:creationId xmlns:a16="http://schemas.microsoft.com/office/drawing/2014/main" xmlns="" id="{0FD19F88-F696-4835-9902-1EABC9802111}"/>
               </a:ext>
             </a:extLst>
           </p:cNvPr>
@@ -13476,7 +14370,7 @@
           <p:cNvPr id="5" name="Title 1">
             <a:extLst>
               <a:ext uri="{FF2B5EF4-FFF2-40B4-BE49-F238E27FC236}">
-                <a16:creationId xmlns:a16="http://schemas.microsoft.com/office/drawing/2014/main" id="{1386C1DD-5EB3-4440-9C2D-E5741B32A8DF}"/>
+                <a16:creationId xmlns:a16="http://schemas.microsoft.com/office/drawing/2014/main" xmlns="" id="{1386C1DD-5EB3-4440-9C2D-E5741B32A8DF}"/>
               </a:ext>
             </a:extLst>
           </p:cNvPr>
@@ -13757,7 +14651,7 @@
           <p:cNvPr id="3" name="Content Placeholder 2">
             <a:extLst>
               <a:ext uri="{FF2B5EF4-FFF2-40B4-BE49-F238E27FC236}">
-                <a16:creationId xmlns:a16="http://schemas.microsoft.com/office/drawing/2014/main" id="{0FD19F88-F696-4835-9902-1EABC9802111}"/>
+                <a16:creationId xmlns:a16="http://schemas.microsoft.com/office/drawing/2014/main" xmlns="" id="{0FD19F88-F696-4835-9902-1EABC9802111}"/>
               </a:ext>
             </a:extLst>
           </p:cNvPr>
@@ -13971,7 +14865,7 @@
           <p:cNvPr id="2" name="TextBox 1">
             <a:extLst>
               <a:ext uri="{FF2B5EF4-FFF2-40B4-BE49-F238E27FC236}">
-                <a16:creationId xmlns:a16="http://schemas.microsoft.com/office/drawing/2014/main" id="{05A1A388-E7A8-4955-B990-9BBBBB5CA04C}"/>
+                <a16:creationId xmlns:a16="http://schemas.microsoft.com/office/drawing/2014/main" xmlns="" id="{05A1A388-E7A8-4955-B990-9BBBBB5CA04C}"/>
               </a:ext>
             </a:extLst>
           </p:cNvPr>
@@ -14006,7 +14900,7 @@
           <p:cNvPr id="7172" name="Picture 4" descr="https://miro.medium.com/max/1200/0*bzA--a3HoZs6Hxxy.jpg">
             <a:extLst>
               <a:ext uri="{FF2B5EF4-FFF2-40B4-BE49-F238E27FC236}">
-                <a16:creationId xmlns:a16="http://schemas.microsoft.com/office/drawing/2014/main" id="{882C16D2-E0D4-460F-B659-362D6A14993A}"/>
+                <a16:creationId xmlns:a16="http://schemas.microsoft.com/office/drawing/2014/main" xmlns="" id="{882C16D2-E0D4-460F-B659-362D6A14993A}"/>
               </a:ext>
             </a:extLst>
           </p:cNvPr>
@@ -14083,7 +14977,7 @@
           <p:cNvPr id="3" name="Content Placeholder 2">
             <a:extLst>
               <a:ext uri="{FF2B5EF4-FFF2-40B4-BE49-F238E27FC236}">
-                <a16:creationId xmlns:a16="http://schemas.microsoft.com/office/drawing/2014/main" id="{0FD19F88-F696-4835-9902-1EABC9802111}"/>
+                <a16:creationId xmlns:a16="http://schemas.microsoft.com/office/drawing/2014/main" xmlns="" id="{0FD19F88-F696-4835-9902-1EABC9802111}"/>
               </a:ext>
             </a:extLst>
           </p:cNvPr>
@@ -14297,7 +15191,7 @@
           <p:cNvPr id="2" name="Picture 1">
             <a:extLst>
               <a:ext uri="{FF2B5EF4-FFF2-40B4-BE49-F238E27FC236}">
-                <a16:creationId xmlns:a16="http://schemas.microsoft.com/office/drawing/2014/main" id="{4AE0D359-C5C6-4DFE-AE43-878BF471EE95}"/>
+                <a16:creationId xmlns:a16="http://schemas.microsoft.com/office/drawing/2014/main" xmlns="" id="{4AE0D359-C5C6-4DFE-AE43-878BF471EE95}"/>
               </a:ext>
             </a:extLst>
           </p:cNvPr>
@@ -14327,7 +15221,7 @@
           <p:cNvPr id="4" name="TextBox 3">
             <a:extLst>
               <a:ext uri="{FF2B5EF4-FFF2-40B4-BE49-F238E27FC236}">
-                <a16:creationId xmlns:a16="http://schemas.microsoft.com/office/drawing/2014/main" id="{CE7BA5E3-D7ED-4469-8D73-76DC7C8F1BD1}"/>
+                <a16:creationId xmlns:a16="http://schemas.microsoft.com/office/drawing/2014/main" xmlns="" id="{CE7BA5E3-D7ED-4469-8D73-76DC7C8F1BD1}"/>
               </a:ext>
             </a:extLst>
           </p:cNvPr>
@@ -14393,7 +15287,7 @@
           <p:cNvPr id="3" name="Content Placeholder 2">
             <a:extLst>
               <a:ext uri="{FF2B5EF4-FFF2-40B4-BE49-F238E27FC236}">
-                <a16:creationId xmlns:a16="http://schemas.microsoft.com/office/drawing/2014/main" id="{0FD19F88-F696-4835-9902-1EABC9802111}"/>
+                <a16:creationId xmlns:a16="http://schemas.microsoft.com/office/drawing/2014/main" xmlns="" id="{0FD19F88-F696-4835-9902-1EABC9802111}"/>
               </a:ext>
             </a:extLst>
           </p:cNvPr>
@@ -14607,7 +15501,7 @@
           <p:cNvPr id="4" name="TextBox 3">
             <a:extLst>
               <a:ext uri="{FF2B5EF4-FFF2-40B4-BE49-F238E27FC236}">
-                <a16:creationId xmlns:a16="http://schemas.microsoft.com/office/drawing/2014/main" id="{CE7BA5E3-D7ED-4469-8D73-76DC7C8F1BD1}"/>
+                <a16:creationId xmlns:a16="http://schemas.microsoft.com/office/drawing/2014/main" xmlns="" id="{CE7BA5E3-D7ED-4469-8D73-76DC7C8F1BD1}"/>
               </a:ext>
             </a:extLst>
           </p:cNvPr>
@@ -14643,7 +15537,7 @@
           <p:cNvPr id="6" name="Picture 5">
             <a:extLst>
               <a:ext uri="{FF2B5EF4-FFF2-40B4-BE49-F238E27FC236}">
-                <a16:creationId xmlns:a16="http://schemas.microsoft.com/office/drawing/2014/main" id="{24C8C53E-D3E6-426D-B1B2-2AF0B5E46E61}"/>
+                <a16:creationId xmlns:a16="http://schemas.microsoft.com/office/drawing/2014/main" xmlns="" id="{24C8C53E-D3E6-426D-B1B2-2AF0B5E46E61}"/>
               </a:ext>
             </a:extLst>
           </p:cNvPr>
@@ -14703,7 +15597,7 @@
           <p:cNvPr id="3" name="Content Placeholder 2">
             <a:extLst>
               <a:ext uri="{FF2B5EF4-FFF2-40B4-BE49-F238E27FC236}">
-                <a16:creationId xmlns:a16="http://schemas.microsoft.com/office/drawing/2014/main" id="{0FD19F88-F696-4835-9902-1EABC9802111}"/>
+                <a16:creationId xmlns:a16="http://schemas.microsoft.com/office/drawing/2014/main" xmlns="" id="{0FD19F88-F696-4835-9902-1EABC9802111}"/>
               </a:ext>
             </a:extLst>
           </p:cNvPr>
@@ -14919,7 +15813,7 @@
           <p:cNvPr id="1026" name="Picture 2" descr="Airbnb">
             <a:extLst>
               <a:ext uri="{FF2B5EF4-FFF2-40B4-BE49-F238E27FC236}">
-                <a16:creationId xmlns:a16="http://schemas.microsoft.com/office/drawing/2014/main" id="{1D863478-7375-4FFC-91F2-C94B0C83D9E0}"/>
+                <a16:creationId xmlns:a16="http://schemas.microsoft.com/office/drawing/2014/main" xmlns="" id="{1D863478-7375-4FFC-91F2-C94B0C83D9E0}"/>
               </a:ext>
             </a:extLst>
           </p:cNvPr>
@@ -14966,7 +15860,7 @@
           <p:cNvPr id="1028" name="Picture 4" descr="Uber">
             <a:extLst>
               <a:ext uri="{FF2B5EF4-FFF2-40B4-BE49-F238E27FC236}">
-                <a16:creationId xmlns:a16="http://schemas.microsoft.com/office/drawing/2014/main" id="{3FCFB8C9-1CAF-4668-AA44-D22E8BB65488}"/>
+                <a16:creationId xmlns:a16="http://schemas.microsoft.com/office/drawing/2014/main" xmlns="" id="{3FCFB8C9-1CAF-4668-AA44-D22E8BB65488}"/>
               </a:ext>
             </a:extLst>
           </p:cNvPr>
@@ -15013,7 +15907,7 @@
           <p:cNvPr id="1030" name="Picture 6" descr="Facebook">
             <a:extLst>
               <a:ext uri="{FF2B5EF4-FFF2-40B4-BE49-F238E27FC236}">
-                <a16:creationId xmlns:a16="http://schemas.microsoft.com/office/drawing/2014/main" id="{E0C2B96A-2551-43F8-8642-70CB4C98B9E1}"/>
+                <a16:creationId xmlns:a16="http://schemas.microsoft.com/office/drawing/2014/main" xmlns="" id="{E0C2B96A-2551-43F8-8642-70CB4C98B9E1}"/>
               </a:ext>
             </a:extLst>
           </p:cNvPr>
@@ -15060,7 +15954,7 @@
           <p:cNvPr id="1032" name="Picture 8" descr="Pinterest">
             <a:extLst>
               <a:ext uri="{FF2B5EF4-FFF2-40B4-BE49-F238E27FC236}">
-                <a16:creationId xmlns:a16="http://schemas.microsoft.com/office/drawing/2014/main" id="{853BC1E7-24F4-40E3-979C-CA764E724DA2}"/>
+                <a16:creationId xmlns:a16="http://schemas.microsoft.com/office/drawing/2014/main" xmlns="" id="{853BC1E7-24F4-40E3-979C-CA764E724DA2}"/>
               </a:ext>
             </a:extLst>
           </p:cNvPr>
@@ -15107,7 +16001,7 @@
           <p:cNvPr id="1034" name="Picture 10" descr="Twitter">
             <a:extLst>
               <a:ext uri="{FF2B5EF4-FFF2-40B4-BE49-F238E27FC236}">
-                <a16:creationId xmlns:a16="http://schemas.microsoft.com/office/drawing/2014/main" id="{8FE1E90C-FE5C-4686-8D6E-5057F41A1123}"/>
+                <a16:creationId xmlns:a16="http://schemas.microsoft.com/office/drawing/2014/main" xmlns="" id="{8FE1E90C-FE5C-4686-8D6E-5057F41A1123}"/>
               </a:ext>
             </a:extLst>
           </p:cNvPr>
@@ -15154,7 +16048,7 @@
           <p:cNvPr id="1036" name="Picture 12" descr="Instagram">
             <a:extLst>
               <a:ext uri="{FF2B5EF4-FFF2-40B4-BE49-F238E27FC236}">
-                <a16:creationId xmlns:a16="http://schemas.microsoft.com/office/drawing/2014/main" id="{C54C3D24-4FE8-46E5-BC81-21FB5E033971}"/>
+                <a16:creationId xmlns:a16="http://schemas.microsoft.com/office/drawing/2014/main" xmlns="" id="{C54C3D24-4FE8-46E5-BC81-21FB5E033971}"/>
               </a:ext>
             </a:extLst>
           </p:cNvPr>
@@ -15201,7 +16095,7 @@
           <p:cNvPr id="1038" name="Picture 14" descr="Netflix">
             <a:extLst>
               <a:ext uri="{FF2B5EF4-FFF2-40B4-BE49-F238E27FC236}">
-                <a16:creationId xmlns:a16="http://schemas.microsoft.com/office/drawing/2014/main" id="{5EB3E3B4-836B-4ACB-A02A-76815841D6AF}"/>
+                <a16:creationId xmlns:a16="http://schemas.microsoft.com/office/drawing/2014/main" xmlns="" id="{5EB3E3B4-836B-4ACB-A02A-76815841D6AF}"/>
               </a:ext>
             </a:extLst>
           </p:cNvPr>
@@ -15278,7 +16172,7 @@
           <p:cNvPr id="3" name="Content Placeholder 2">
             <a:extLst>
               <a:ext uri="{FF2B5EF4-FFF2-40B4-BE49-F238E27FC236}">
-                <a16:creationId xmlns:a16="http://schemas.microsoft.com/office/drawing/2014/main" id="{0FD19F88-F696-4835-9902-1EABC9802111}"/>
+                <a16:creationId xmlns:a16="http://schemas.microsoft.com/office/drawing/2014/main" xmlns="" id="{0FD19F88-F696-4835-9902-1EABC9802111}"/>
               </a:ext>
             </a:extLst>
           </p:cNvPr>
@@ -15492,7 +16386,7 @@
           <p:cNvPr id="5" name="Title 1">
             <a:extLst>
               <a:ext uri="{FF2B5EF4-FFF2-40B4-BE49-F238E27FC236}">
-                <a16:creationId xmlns:a16="http://schemas.microsoft.com/office/drawing/2014/main" id="{1386C1DD-5EB3-4440-9C2D-E5741B32A8DF}"/>
+                <a16:creationId xmlns:a16="http://schemas.microsoft.com/office/drawing/2014/main" xmlns="" id="{1386C1DD-5EB3-4440-9C2D-E5741B32A8DF}"/>
               </a:ext>
             </a:extLst>
           </p:cNvPr>
@@ -15719,7 +16613,7 @@
           <p:cNvPr id="2050" name="Picture 2" descr="RÃ©sultat de recherche d'images pour &quot;nodejs logo&quot;">
             <a:extLst>
               <a:ext uri="{FF2B5EF4-FFF2-40B4-BE49-F238E27FC236}">
-                <a16:creationId xmlns:a16="http://schemas.microsoft.com/office/drawing/2014/main" id="{FD3FDAB3-4006-4637-9C23-CB377D44539B}"/>
+                <a16:creationId xmlns:a16="http://schemas.microsoft.com/office/drawing/2014/main" xmlns="" id="{FD3FDAB3-4006-4637-9C23-CB377D44539B}"/>
               </a:ext>
             </a:extLst>
           </p:cNvPr>
@@ -15766,7 +16660,7 @@
           <p:cNvPr id="2052" name="Picture 4" descr="RÃ©sultat de recherche d'images pour &quot;create react app logo&quot;">
             <a:extLst>
               <a:ext uri="{FF2B5EF4-FFF2-40B4-BE49-F238E27FC236}">
-                <a16:creationId xmlns:a16="http://schemas.microsoft.com/office/drawing/2014/main" id="{ABBE66E1-00E9-453D-A248-5DF0F831E047}"/>
+                <a16:creationId xmlns:a16="http://schemas.microsoft.com/office/drawing/2014/main" xmlns="" id="{ABBE66E1-00E9-453D-A248-5DF0F831E047}"/>
               </a:ext>
             </a:extLst>
           </p:cNvPr>
@@ -15813,7 +16707,7 @@
           <p:cNvPr id="2054" name="Picture 6" descr="RÃ©sultat de recherche d'images pour &quot;git logo&quot;">
             <a:extLst>
               <a:ext uri="{FF2B5EF4-FFF2-40B4-BE49-F238E27FC236}">
-                <a16:creationId xmlns:a16="http://schemas.microsoft.com/office/drawing/2014/main" id="{08C9973F-3853-436B-AC33-77B79C84744C}"/>
+                <a16:creationId xmlns:a16="http://schemas.microsoft.com/office/drawing/2014/main" xmlns="" id="{08C9973F-3853-436B-AC33-77B79C84744C}"/>
               </a:ext>
             </a:extLst>
           </p:cNvPr>
@@ -15860,7 +16754,7 @@
           <p:cNvPr id="2066" name="Picture 18" descr="RÃ©sultat de recherche d'images pour &quot;code editor logo&quot;">
             <a:extLst>
               <a:ext uri="{FF2B5EF4-FFF2-40B4-BE49-F238E27FC236}">
-                <a16:creationId xmlns:a16="http://schemas.microsoft.com/office/drawing/2014/main" id="{7F559A4A-939C-44CA-AC09-2A957A73C008}"/>
+                <a16:creationId xmlns:a16="http://schemas.microsoft.com/office/drawing/2014/main" xmlns="" id="{7F559A4A-939C-44CA-AC09-2A957A73C008}"/>
               </a:ext>
             </a:extLst>
           </p:cNvPr>
@@ -15907,7 +16801,7 @@
           <p:cNvPr id="2068" name="Picture 20" descr="RÃ©sultat de recherche d'images pour &quot;code editor sublime logo&quot;">
             <a:extLst>
               <a:ext uri="{FF2B5EF4-FFF2-40B4-BE49-F238E27FC236}">
-                <a16:creationId xmlns:a16="http://schemas.microsoft.com/office/drawing/2014/main" id="{6CD3336D-8A1C-477F-B13D-7DE4A1D003FA}"/>
+                <a16:creationId xmlns:a16="http://schemas.microsoft.com/office/drawing/2014/main" xmlns="" id="{6CD3336D-8A1C-477F-B13D-7DE4A1D003FA}"/>
               </a:ext>
             </a:extLst>
           </p:cNvPr>
@@ -15954,7 +16848,7 @@
           <p:cNvPr id="2072" name="Picture 24" descr="RÃ©sultat de recherche d'images pour &quot;atom editor&quot;">
             <a:extLst>
               <a:ext uri="{FF2B5EF4-FFF2-40B4-BE49-F238E27FC236}">
-                <a16:creationId xmlns:a16="http://schemas.microsoft.com/office/drawing/2014/main" id="{FF197C24-7F5F-4B07-B923-1749FABDA153}"/>
+                <a16:creationId xmlns:a16="http://schemas.microsoft.com/office/drawing/2014/main" xmlns="" id="{FF197C24-7F5F-4B07-B923-1749FABDA153}"/>
               </a:ext>
             </a:extLst>
           </p:cNvPr>
@@ -16001,7 +16895,7 @@
           <p:cNvPr id="10" name="Picture 9" descr="https://avatars1.githubusercontent.com/u/2105791?v=3&amp;s=400">
             <a:extLst>
               <a:ext uri="{FF2B5EF4-FFF2-40B4-BE49-F238E27FC236}">
-                <a16:creationId xmlns:a16="http://schemas.microsoft.com/office/drawing/2014/main" id="{3F53AC1B-382A-4F33-9731-4AB84AA1D61B}"/>
+                <a16:creationId xmlns:a16="http://schemas.microsoft.com/office/drawing/2014/main" xmlns="" id="{3F53AC1B-382A-4F33-9731-4AB84AA1D61B}"/>
               </a:ext>
             </a:extLst>
           </p:cNvPr>
@@ -16048,7 +16942,7 @@
           <p:cNvPr id="13" name="Picture 12" descr="https://raw.githubusercontent.com/babel/logo/master/babel.png">
             <a:extLst>
               <a:ext uri="{FF2B5EF4-FFF2-40B4-BE49-F238E27FC236}">
-                <a16:creationId xmlns:a16="http://schemas.microsoft.com/office/drawing/2014/main" id="{93466F1C-A3F0-4F7C-A0B3-50E3BEAFCFFD}"/>
+                <a16:creationId xmlns:a16="http://schemas.microsoft.com/office/drawing/2014/main" xmlns="" id="{93466F1C-A3F0-4F7C-A0B3-50E3BEAFCFFD}"/>
               </a:ext>
             </a:extLst>
           </p:cNvPr>
@@ -16125,7 +17019,7 @@
           <p:cNvPr id="3" name="Content Placeholder 2">
             <a:extLst>
               <a:ext uri="{FF2B5EF4-FFF2-40B4-BE49-F238E27FC236}">
-                <a16:creationId xmlns:a16="http://schemas.microsoft.com/office/drawing/2014/main" id="{0FD19F88-F696-4835-9902-1EABC9802111}"/>
+                <a16:creationId xmlns:a16="http://schemas.microsoft.com/office/drawing/2014/main" xmlns="" id="{0FD19F88-F696-4835-9902-1EABC9802111}"/>
               </a:ext>
             </a:extLst>
           </p:cNvPr>
@@ -16339,7 +17233,7 @@
           <p:cNvPr id="5" name="Title 1">
             <a:extLst>
               <a:ext uri="{FF2B5EF4-FFF2-40B4-BE49-F238E27FC236}">
-                <a16:creationId xmlns:a16="http://schemas.microsoft.com/office/drawing/2014/main" id="{1386C1DD-5EB3-4440-9C2D-E5741B32A8DF}"/>
+                <a16:creationId xmlns:a16="http://schemas.microsoft.com/office/drawing/2014/main" xmlns="" id="{1386C1DD-5EB3-4440-9C2D-E5741B32A8DF}"/>
               </a:ext>
             </a:extLst>
           </p:cNvPr>
@@ -16700,7 +17594,7 @@
           <p:cNvPr id="6" name="TextBox 5">
             <a:extLst>
               <a:ext uri="{FF2B5EF4-FFF2-40B4-BE49-F238E27FC236}">
-                <a16:creationId xmlns:a16="http://schemas.microsoft.com/office/drawing/2014/main" id="{D092BC94-443A-44B9-8633-54DCD98FDCC1}"/>
+                <a16:creationId xmlns:a16="http://schemas.microsoft.com/office/drawing/2014/main" xmlns="" id="{D092BC94-443A-44B9-8633-54DCD98FDCC1}"/>
               </a:ext>
             </a:extLst>
           </p:cNvPr>
